--- a/Rail/SD2231-Lab1_Group4.pptx
+++ b/Rail/SD2231-Lab1_Group4.pptx
@@ -5,10 +5,10 @@
     <p:sldMasterId id="2147483648" r:id="rId1"/>
   </p:sldMasterIdLst>
   <p:notesMasterIdLst>
-    <p:notesMasterId r:id="rId17"/>
+    <p:notesMasterId r:id="rId21"/>
   </p:notesMasterIdLst>
   <p:handoutMasterIdLst>
-    <p:handoutMasterId r:id="rId18"/>
+    <p:handoutMasterId r:id="rId22"/>
   </p:handoutMasterIdLst>
   <p:sldIdLst>
     <p:sldId id="341" r:id="rId2"/>
@@ -16,16 +16,20 @@
     <p:sldId id="378" r:id="rId4"/>
     <p:sldId id="376" r:id="rId5"/>
     <p:sldId id="377" r:id="rId6"/>
-    <p:sldId id="365" r:id="rId7"/>
-    <p:sldId id="379" r:id="rId8"/>
-    <p:sldId id="366" r:id="rId9"/>
-    <p:sldId id="367" r:id="rId10"/>
-    <p:sldId id="369" r:id="rId11"/>
-    <p:sldId id="368" r:id="rId12"/>
-    <p:sldId id="370" r:id="rId13"/>
-    <p:sldId id="374" r:id="rId14"/>
-    <p:sldId id="375" r:id="rId15"/>
-    <p:sldId id="292" r:id="rId16"/>
+    <p:sldId id="381" r:id="rId7"/>
+    <p:sldId id="383" r:id="rId8"/>
+    <p:sldId id="382" r:id="rId9"/>
+    <p:sldId id="365" r:id="rId10"/>
+    <p:sldId id="379" r:id="rId11"/>
+    <p:sldId id="380" r:id="rId12"/>
+    <p:sldId id="366" r:id="rId13"/>
+    <p:sldId id="367" r:id="rId14"/>
+    <p:sldId id="369" r:id="rId15"/>
+    <p:sldId id="368" r:id="rId16"/>
+    <p:sldId id="370" r:id="rId17"/>
+    <p:sldId id="374" r:id="rId18"/>
+    <p:sldId id="375" r:id="rId19"/>
+    <p:sldId id="292" r:id="rId20"/>
   </p:sldIdLst>
   <p:sldSz cx="9144000" cy="6858000" type="screen4x3"/>
   <p:notesSz cx="6858000" cy="9144000"/>
@@ -772,9 +776,35 @@
           <a:bodyPr/>
           <a:lstStyle/>
           <a:p>
+            <a:pPr marL="0" marR="0" lvl="0" indent="0" algn="l" defTabSz="457200" rtl="0" eaLnBrk="1" fontAlgn="auto" latinLnBrk="0" hangingPunct="1">
+              <a:lnSpc>
+                <a:spcPct val="100000"/>
+              </a:lnSpc>
+              <a:spcBef>
+                <a:spcPts val="0"/>
+              </a:spcBef>
+              <a:spcAft>
+                <a:spcPts val="0"/>
+              </a:spcAft>
+              <a:buClrTx/>
+              <a:buSzTx/>
+              <a:buFontTx/>
+              <a:buNone/>
+              <a:tabLst/>
+              <a:defRPr/>
+            </a:pPr>
             <a:r>
               <a:rPr lang="en-US" dirty="0"/>
-              <a:t>Implementing TCS to not only lower the torque but also to provide brake torque (assuming brake by wire) in order to handle the transient phase at launch more gracefully.</a:t>
+              <a:t>1. to optimize the feedthrough gains and controller gains using minimal manual iterations.</a:t>
+            </a:r>
+          </a:p>
+          <a:p>
+            <a:endParaRPr lang="en-US" dirty="0"/>
+          </a:p>
+          <a:p>
+            <a:r>
+              <a:rPr lang="en-US" dirty="0"/>
+              <a:t>4. Implementing TCS to not only lower the torque but also to provide brake torque (assuming brake by wire) in order to handle the transient phase at launch more gracefully.</a:t>
             </a:r>
           </a:p>
         </p:txBody>
@@ -860,6 +890,179 @@
           <a:bodyPr/>
           <a:lstStyle/>
           <a:p>
+            <a:endParaRPr lang="en-US" dirty="0"/>
+          </a:p>
+        </p:txBody>
+      </p:sp>
+      <p:sp>
+        <p:nvSpPr>
+          <p:cNvPr id="4" name="Slide Number Placeholder 3"/>
+          <p:cNvSpPr>
+            <a:spLocks noGrp="1"/>
+          </p:cNvSpPr>
+          <p:nvPr>
+            <p:ph type="sldNum" sz="quarter" idx="10"/>
+          </p:nvPr>
+        </p:nvSpPr>
+        <p:spPr/>
+        <p:txBody>
+          <a:bodyPr/>
+          <a:lstStyle/>
+          <a:p>
+            <a:fld id="{376176DB-8990-CF41-92DD-169D7E5880A2}" type="slidenum">
+              <a:rPr lang="en-US" smtClean="0"/>
+              <a:pPr/>
+              <a:t>4</a:t>
+            </a:fld>
+            <a:endParaRPr lang="en-US"/>
+          </a:p>
+        </p:txBody>
+      </p:sp>
+    </p:spTree>
+    <p:extLst>
+      <p:ext uri="{BB962C8B-B14F-4D97-AF65-F5344CB8AC3E}">
+        <p14:creationId xmlns:p14="http://schemas.microsoft.com/office/powerpoint/2010/main" val="3585202456"/>
+      </p:ext>
+    </p:extLst>
+  </p:cSld>
+  <p:clrMapOvr>
+    <a:masterClrMapping/>
+  </p:clrMapOvr>
+</p:notes>
+</file>
+
+<file path=ppt/notesSlides/notesSlide3.xml><?xml version="1.0" encoding="utf-8"?>
+<p:notes xmlns:a="http://schemas.openxmlformats.org/drawingml/2006/main" xmlns:r="http://schemas.openxmlformats.org/officeDocument/2006/relationships" xmlns:p="http://schemas.openxmlformats.org/presentationml/2006/main">
+  <p:cSld>
+    <p:spTree>
+      <p:nvGrpSpPr>
+        <p:cNvPr id="1" name=""/>
+        <p:cNvGrpSpPr/>
+        <p:nvPr/>
+      </p:nvGrpSpPr>
+      <p:grpSpPr>
+        <a:xfrm>
+          <a:off x="0" y="0"/>
+          <a:ext cx="0" cy="0"/>
+          <a:chOff x="0" y="0"/>
+          <a:chExt cx="0" cy="0"/>
+        </a:xfrm>
+      </p:grpSpPr>
+      <p:sp>
+        <p:nvSpPr>
+          <p:cNvPr id="2" name="Slide Image Placeholder 1"/>
+          <p:cNvSpPr>
+            <a:spLocks noGrp="1" noRot="1" noChangeAspect="1"/>
+          </p:cNvSpPr>
+          <p:nvPr>
+            <p:ph type="sldImg"/>
+          </p:nvPr>
+        </p:nvSpPr>
+        <p:spPr/>
+      </p:sp>
+      <p:sp>
+        <p:nvSpPr>
+          <p:cNvPr id="3" name="Notes Placeholder 2"/>
+          <p:cNvSpPr>
+            <a:spLocks noGrp="1"/>
+          </p:cNvSpPr>
+          <p:nvPr>
+            <p:ph type="body" idx="1"/>
+          </p:nvPr>
+        </p:nvSpPr>
+        <p:spPr/>
+        <p:txBody>
+          <a:bodyPr/>
+          <a:lstStyle/>
+          <a:p>
+            <a:r>
+              <a:rPr lang="en-US" sz="3600" dirty="0"/>
+              <a:t>4. Specially for TCS because the controller that gave the best control characteristics usually gave worse times than the uncontrolled case due to the transient phase at launch.</a:t>
+            </a:r>
+          </a:p>
+        </p:txBody>
+      </p:sp>
+      <p:sp>
+        <p:nvSpPr>
+          <p:cNvPr id="4" name="Slide Number Placeholder 3"/>
+          <p:cNvSpPr>
+            <a:spLocks noGrp="1"/>
+          </p:cNvSpPr>
+          <p:nvPr>
+            <p:ph type="sldNum" sz="quarter" idx="10"/>
+          </p:nvPr>
+        </p:nvSpPr>
+        <p:spPr/>
+        <p:txBody>
+          <a:bodyPr/>
+          <a:lstStyle/>
+          <a:p>
+            <a:fld id="{376176DB-8990-CF41-92DD-169D7E5880A2}" type="slidenum">
+              <a:rPr lang="en-US" smtClean="0"/>
+              <a:pPr/>
+              <a:t>9</a:t>
+            </a:fld>
+            <a:endParaRPr lang="en-US"/>
+          </a:p>
+        </p:txBody>
+      </p:sp>
+    </p:spTree>
+    <p:extLst>
+      <p:ext uri="{BB962C8B-B14F-4D97-AF65-F5344CB8AC3E}">
+        <p14:creationId xmlns:p14="http://schemas.microsoft.com/office/powerpoint/2010/main" val="512448381"/>
+      </p:ext>
+    </p:extLst>
+  </p:cSld>
+  <p:clrMapOvr>
+    <a:masterClrMapping/>
+  </p:clrMapOvr>
+</p:notes>
+</file>
+
+<file path=ppt/notesSlides/notesSlide4.xml><?xml version="1.0" encoding="utf-8"?>
+<p:notes xmlns:a="http://schemas.openxmlformats.org/drawingml/2006/main" xmlns:r="http://schemas.openxmlformats.org/officeDocument/2006/relationships" xmlns:p="http://schemas.openxmlformats.org/presentationml/2006/main">
+  <p:cSld>
+    <p:spTree>
+      <p:nvGrpSpPr>
+        <p:cNvPr id="1" name=""/>
+        <p:cNvGrpSpPr/>
+        <p:nvPr/>
+      </p:nvGrpSpPr>
+      <p:grpSpPr>
+        <a:xfrm>
+          <a:off x="0" y="0"/>
+          <a:ext cx="0" cy="0"/>
+          <a:chOff x="0" y="0"/>
+          <a:chExt cx="0" cy="0"/>
+        </a:xfrm>
+      </p:grpSpPr>
+      <p:sp>
+        <p:nvSpPr>
+          <p:cNvPr id="2" name="Slide Image Placeholder 1"/>
+          <p:cNvSpPr>
+            <a:spLocks noGrp="1" noRot="1" noChangeAspect="1"/>
+          </p:cNvSpPr>
+          <p:nvPr>
+            <p:ph type="sldImg"/>
+          </p:nvPr>
+        </p:nvSpPr>
+        <p:spPr/>
+      </p:sp>
+      <p:sp>
+        <p:nvSpPr>
+          <p:cNvPr id="3" name="Notes Placeholder 2"/>
+          <p:cNvSpPr>
+            <a:spLocks noGrp="1"/>
+          </p:cNvSpPr>
+          <p:nvPr>
+            <p:ph type="body" idx="1"/>
+          </p:nvPr>
+        </p:nvSpPr>
+        <p:spPr/>
+        <p:txBody>
+          <a:bodyPr/>
+          <a:lstStyle/>
+          <a:p>
             <a:r>
               <a:rPr lang="en-US" dirty="0"/>
               <a:t>Red- lowest times- best possible controlled </a:t>
@@ -891,7 +1094,7 @@
             <a:fld id="{376176DB-8990-CF41-92DD-169D7E5880A2}" type="slidenum">
               <a:rPr lang="en-US" smtClean="0"/>
               <a:pPr/>
-              <a:t>9</a:t>
+              <a:t>13</a:t>
             </a:fld>
             <a:endParaRPr lang="en-US"/>
           </a:p>
@@ -910,7 +1113,7 @@
 </p:notes>
 </file>
 
-<file path=ppt/notesSlides/notesSlide3.xml><?xml version="1.0" encoding="utf-8"?>
+<file path=ppt/notesSlides/notesSlide5.xml><?xml version="1.0" encoding="utf-8"?>
 <p:notes xmlns:a="http://schemas.openxmlformats.org/drawingml/2006/main" xmlns:r="http://schemas.openxmlformats.org/officeDocument/2006/relationships" xmlns:p="http://schemas.openxmlformats.org/presentationml/2006/main">
   <p:cSld>
     <p:spTree>
@@ -979,7 +1182,7 @@
             <a:fld id="{376176DB-8990-CF41-92DD-169D7E5880A2}" type="slidenum">
               <a:rPr lang="en-US" smtClean="0"/>
               <a:pPr/>
-              <a:t>13</a:t>
+              <a:t>17</a:t>
             </a:fld>
             <a:endParaRPr lang="en-US"/>
           </a:p>
@@ -16448,6 +16651,69 @@
       </p:grpSpPr>
       <p:sp>
         <p:nvSpPr>
+          <p:cNvPr id="2" name="Title 1">
+            <a:extLst>
+              <a:ext uri="{FF2B5EF4-FFF2-40B4-BE49-F238E27FC236}">
+                <a16:creationId xmlns:a16="http://schemas.microsoft.com/office/drawing/2014/main" id="{D3FDD81E-884E-47D6-8975-399D591BFE36}"/>
+              </a:ext>
+            </a:extLst>
+          </p:cNvPr>
+          <p:cNvSpPr>
+            <a:spLocks noGrp="1"/>
+          </p:cNvSpPr>
+          <p:nvPr>
+            <p:ph type="ctrTitle"/>
+          </p:nvPr>
+        </p:nvSpPr>
+        <p:spPr>
+          <a:xfrm>
+            <a:off x="1703267" y="2158708"/>
+            <a:ext cx="6984337" cy="1043684"/>
+          </a:xfrm>
+        </p:spPr>
+        <p:txBody>
+          <a:bodyPr/>
+          <a:lstStyle/>
+          <a:p>
+            <a:r>
+              <a:rPr lang="en-US" dirty="0"/>
+              <a:t>Our Final Results</a:t>
+            </a:r>
+          </a:p>
+        </p:txBody>
+      </p:sp>
+    </p:spTree>
+    <p:extLst>
+      <p:ext uri="{BB962C8B-B14F-4D97-AF65-F5344CB8AC3E}">
+        <p14:creationId xmlns:p14="http://schemas.microsoft.com/office/powerpoint/2010/main" val="2009042921"/>
+      </p:ext>
+    </p:extLst>
+  </p:cSld>
+  <p:clrMapOvr>
+    <a:masterClrMapping/>
+  </p:clrMapOvr>
+</p:sld>
+</file>
+
+<file path=ppt/slides/slide11.xml><?xml version="1.0" encoding="utf-8"?>
+<p:sld xmlns:a="http://schemas.openxmlformats.org/drawingml/2006/main" xmlns:r="http://schemas.openxmlformats.org/officeDocument/2006/relationships" xmlns:p="http://schemas.openxmlformats.org/presentationml/2006/main">
+  <p:cSld>
+    <p:spTree>
+      <p:nvGrpSpPr>
+        <p:cNvPr id="1" name=""/>
+        <p:cNvGrpSpPr/>
+        <p:nvPr/>
+      </p:nvGrpSpPr>
+      <p:grpSpPr>
+        <a:xfrm>
+          <a:off x="0" y="0"/>
+          <a:ext cx="0" cy="0"/>
+          <a:chOff x="0" y="0"/>
+          <a:chExt cx="0" cy="0"/>
+        </a:xfrm>
+      </p:grpSpPr>
+      <p:sp>
+        <p:nvSpPr>
           <p:cNvPr id="2" name="Date Placeholder 1"/>
           <p:cNvSpPr>
             <a:spLocks noGrp="1"/>
@@ -16487,7 +16753,1025 @@
             <a:fld id="{680D72F4-1C41-4187-A4BC-492CF086CF40}" type="slidenum">
               <a:rPr lang="en-GB" smtClean="0"/>
               <a:pPr/>
-              <a:t>10</a:t>
+              <a:t>11</a:t>
+            </a:fld>
+            <a:endParaRPr lang="en-GB"/>
+          </a:p>
+        </p:txBody>
+      </p:sp>
+      <p:sp>
+        <p:nvSpPr>
+          <p:cNvPr id="4" name="Footer Placeholder 3"/>
+          <p:cNvSpPr>
+            <a:spLocks noGrp="1"/>
+          </p:cNvSpPr>
+          <p:nvPr>
+            <p:ph type="ftr" sz="quarter" idx="11"/>
+          </p:nvPr>
+        </p:nvSpPr>
+        <p:spPr/>
+        <p:txBody>
+          <a:bodyPr/>
+          <a:lstStyle/>
+          <a:p>
+            <a:r>
+              <a:rPr lang="fr-FR"/>
+              <a:t>SD2231 - Applied vehicle dynamics control</a:t>
+            </a:r>
+            <a:endParaRPr lang="en-GB" dirty="0"/>
+          </a:p>
+        </p:txBody>
+      </p:sp>
+      <p:sp>
+        <p:nvSpPr>
+          <p:cNvPr id="5" name="Title 4"/>
+          <p:cNvSpPr>
+            <a:spLocks noGrp="1"/>
+          </p:cNvSpPr>
+          <p:nvPr>
+            <p:ph type="title"/>
+          </p:nvPr>
+        </p:nvSpPr>
+        <p:spPr>
+          <a:xfrm>
+            <a:off x="777924" y="174607"/>
+            <a:ext cx="6935788" cy="668338"/>
+          </a:xfrm>
+        </p:spPr>
+        <p:txBody>
+          <a:bodyPr/>
+          <a:lstStyle/>
+          <a:p>
+            <a:pPr algn="ctr"/>
+            <a:r>
+              <a:rPr lang="en-US" dirty="0"/>
+              <a:t>Uncontrolled Traction</a:t>
+            </a:r>
+          </a:p>
+        </p:txBody>
+      </p:sp>
+      <p:sp>
+        <p:nvSpPr>
+          <p:cNvPr id="6" name="Content Placeholder 5"/>
+          <p:cNvSpPr>
+            <a:spLocks noGrp="1"/>
+          </p:cNvSpPr>
+          <p:nvPr>
+            <p:ph idx="1"/>
+          </p:nvPr>
+        </p:nvSpPr>
+        <p:spPr>
+          <a:xfrm>
+            <a:off x="583298" y="944174"/>
+            <a:ext cx="7325040" cy="4693519"/>
+          </a:xfrm>
+        </p:spPr>
+        <p:txBody>
+          <a:bodyPr>
+            <a:normAutofit/>
+          </a:bodyPr>
+          <a:lstStyle/>
+          <a:p>
+            <a:pPr marL="698500" lvl="1" indent="-342900">
+              <a:buFont typeface="Arial"/>
+              <a:buChar char="•"/>
+            </a:pPr>
+            <a:endParaRPr lang="en-US" dirty="0"/>
+          </a:p>
+          <a:p>
+            <a:endParaRPr lang="en-US" dirty="0"/>
+          </a:p>
+        </p:txBody>
+      </p:sp>
+      <p:pic>
+        <p:nvPicPr>
+          <p:cNvPr id="9" name="Picture 8">
+            <a:extLst>
+              <a:ext uri="{FF2B5EF4-FFF2-40B4-BE49-F238E27FC236}">
+                <a16:creationId xmlns:a16="http://schemas.microsoft.com/office/drawing/2014/main" id="{64B3DC9E-5F8E-4AC8-98E9-1E37C700D401}"/>
+              </a:ext>
+            </a:extLst>
+          </p:cNvPr>
+          <p:cNvPicPr>
+            <a:picLocks noChangeAspect="1"/>
+          </p:cNvPicPr>
+          <p:nvPr/>
+        </p:nvPicPr>
+        <p:blipFill rotWithShape="1">
+          <a:blip r:embed="rId2">
+            <a:extLst>
+              <a:ext uri="{28A0092B-C50C-407E-A947-70E740481C1C}">
+                <a14:useLocalDpi xmlns:a14="http://schemas.microsoft.com/office/drawing/2010/main" val="0"/>
+              </a:ext>
+            </a:extLst>
+          </a:blip>
+          <a:srcRect l="9220" t="7304" r="5998" b="3333"/>
+          <a:stretch/>
+        </p:blipFill>
+        <p:spPr>
+          <a:xfrm>
+            <a:off x="665019" y="842944"/>
+            <a:ext cx="7709470" cy="4872055"/>
+          </a:xfrm>
+          <a:prstGeom prst="rect">
+            <a:avLst/>
+          </a:prstGeom>
+        </p:spPr>
+      </p:pic>
+    </p:spTree>
+    <p:extLst>
+      <p:ext uri="{BB962C8B-B14F-4D97-AF65-F5344CB8AC3E}">
+        <p14:creationId xmlns:p14="http://schemas.microsoft.com/office/powerpoint/2010/main" val="2831899945"/>
+      </p:ext>
+    </p:extLst>
+  </p:cSld>
+  <p:clrMapOvr>
+    <a:masterClrMapping/>
+  </p:clrMapOvr>
+</p:sld>
+</file>
+
+<file path=ppt/slides/slide12.xml><?xml version="1.0" encoding="utf-8"?>
+<p:sld xmlns:a="http://schemas.openxmlformats.org/drawingml/2006/main" xmlns:r="http://schemas.openxmlformats.org/officeDocument/2006/relationships" xmlns:p="http://schemas.openxmlformats.org/presentationml/2006/main">
+  <p:cSld>
+    <p:spTree>
+      <p:nvGrpSpPr>
+        <p:cNvPr id="1" name=""/>
+        <p:cNvGrpSpPr/>
+        <p:nvPr/>
+      </p:nvGrpSpPr>
+      <p:grpSpPr>
+        <a:xfrm>
+          <a:off x="0" y="0"/>
+          <a:ext cx="0" cy="0"/>
+          <a:chOff x="0" y="0"/>
+          <a:chExt cx="0" cy="0"/>
+        </a:xfrm>
+      </p:grpSpPr>
+      <p:sp>
+        <p:nvSpPr>
+          <p:cNvPr id="2" name="Date Placeholder 1"/>
+          <p:cNvSpPr>
+            <a:spLocks noGrp="1"/>
+          </p:cNvSpPr>
+          <p:nvPr>
+            <p:ph type="dt" sz="half" idx="10"/>
+          </p:nvPr>
+        </p:nvSpPr>
+        <p:spPr/>
+        <p:txBody>
+          <a:bodyPr/>
+          <a:lstStyle/>
+          <a:p>
+            <a:fld id="{0E812A91-4582-B444-871F-72F1C2FA284F}" type="datetime1">
+              <a:rPr lang="sv-SE" smtClean="0"/>
+              <a:t>2018-04-12</a:t>
+            </a:fld>
+            <a:endParaRPr lang="sv-SE"/>
+          </a:p>
+        </p:txBody>
+      </p:sp>
+      <p:sp>
+        <p:nvSpPr>
+          <p:cNvPr id="3" name="Slide Number Placeholder 2"/>
+          <p:cNvSpPr>
+            <a:spLocks noGrp="1"/>
+          </p:cNvSpPr>
+          <p:nvPr>
+            <p:ph type="sldNum" sz="quarter" idx="12"/>
+          </p:nvPr>
+        </p:nvSpPr>
+        <p:spPr/>
+        <p:txBody>
+          <a:bodyPr/>
+          <a:lstStyle/>
+          <a:p>
+            <a:fld id="{680D72F4-1C41-4187-A4BC-492CF086CF40}" type="slidenum">
+              <a:rPr lang="en-GB" smtClean="0"/>
+              <a:pPr/>
+              <a:t>12</a:t>
+            </a:fld>
+            <a:endParaRPr lang="en-GB"/>
+          </a:p>
+        </p:txBody>
+      </p:sp>
+      <p:sp>
+        <p:nvSpPr>
+          <p:cNvPr id="4" name="Footer Placeholder 3"/>
+          <p:cNvSpPr>
+            <a:spLocks noGrp="1"/>
+          </p:cNvSpPr>
+          <p:nvPr>
+            <p:ph type="ftr" sz="quarter" idx="11"/>
+          </p:nvPr>
+        </p:nvSpPr>
+        <p:spPr/>
+        <p:txBody>
+          <a:bodyPr/>
+          <a:lstStyle/>
+          <a:p>
+            <a:r>
+              <a:rPr lang="fr-FR"/>
+              <a:t>SD2231 - Applied vehicle dynamics control</a:t>
+            </a:r>
+            <a:endParaRPr lang="en-GB" dirty="0"/>
+          </a:p>
+        </p:txBody>
+      </p:sp>
+      <p:sp>
+        <p:nvSpPr>
+          <p:cNvPr id="5" name="Title 4"/>
+          <p:cNvSpPr>
+            <a:spLocks noGrp="1"/>
+          </p:cNvSpPr>
+          <p:nvPr>
+            <p:ph type="title"/>
+          </p:nvPr>
+        </p:nvSpPr>
+        <p:spPr>
+          <a:xfrm>
+            <a:off x="777924" y="174607"/>
+            <a:ext cx="6935788" cy="668338"/>
+          </a:xfrm>
+        </p:spPr>
+        <p:txBody>
+          <a:bodyPr/>
+          <a:lstStyle/>
+          <a:p>
+            <a:pPr algn="ctr"/>
+            <a:r>
+              <a:rPr lang="en-US" dirty="0"/>
+              <a:t>Road Traction Control System</a:t>
+            </a:r>
+          </a:p>
+        </p:txBody>
+      </p:sp>
+      <p:sp>
+        <p:nvSpPr>
+          <p:cNvPr id="6" name="Content Placeholder 5"/>
+          <p:cNvSpPr>
+            <a:spLocks noGrp="1"/>
+          </p:cNvSpPr>
+          <p:nvPr>
+            <p:ph idx="1"/>
+          </p:nvPr>
+        </p:nvSpPr>
+        <p:spPr>
+          <a:xfrm>
+            <a:off x="583298" y="944174"/>
+            <a:ext cx="7325040" cy="4693519"/>
+          </a:xfrm>
+        </p:spPr>
+        <p:txBody>
+          <a:bodyPr>
+            <a:normAutofit/>
+          </a:bodyPr>
+          <a:lstStyle/>
+          <a:p>
+            <a:pPr marL="698500" lvl="1" indent="-342900">
+              <a:buFont typeface="Arial"/>
+              <a:buChar char="•"/>
+            </a:pPr>
+            <a:endParaRPr lang="en-US" dirty="0"/>
+          </a:p>
+          <a:p>
+            <a:endParaRPr lang="en-US" dirty="0"/>
+          </a:p>
+        </p:txBody>
+      </p:sp>
+      <p:pic>
+        <p:nvPicPr>
+          <p:cNvPr id="8" name="Picture 7">
+            <a:extLst>
+              <a:ext uri="{FF2B5EF4-FFF2-40B4-BE49-F238E27FC236}">
+                <a16:creationId xmlns:a16="http://schemas.microsoft.com/office/drawing/2014/main" id="{CA7A83AB-AD62-4125-9527-146A69A4C37F}"/>
+              </a:ext>
+            </a:extLst>
+          </p:cNvPr>
+          <p:cNvPicPr>
+            <a:picLocks noChangeAspect="1"/>
+          </p:cNvPicPr>
+          <p:nvPr/>
+        </p:nvPicPr>
+        <p:blipFill rotWithShape="1">
+          <a:blip r:embed="rId2">
+            <a:extLst>
+              <a:ext uri="{28A0092B-C50C-407E-A947-70E740481C1C}">
+                <a14:useLocalDpi xmlns:a14="http://schemas.microsoft.com/office/drawing/2010/main" val="0"/>
+              </a:ext>
+            </a:extLst>
+          </a:blip>
+          <a:srcRect l="4991" t="2031" r="7784" b="-1"/>
+          <a:stretch/>
+        </p:blipFill>
+        <p:spPr>
+          <a:xfrm>
+            <a:off x="1590940" y="1269276"/>
+            <a:ext cx="5309755" cy="4469646"/>
+          </a:xfrm>
+          <a:prstGeom prst="rect">
+            <a:avLst/>
+          </a:prstGeom>
+        </p:spPr>
+      </p:pic>
+    </p:spTree>
+    <p:extLst>
+      <p:ext uri="{BB962C8B-B14F-4D97-AF65-F5344CB8AC3E}">
+        <p14:creationId xmlns:p14="http://schemas.microsoft.com/office/powerpoint/2010/main" val="1232334604"/>
+      </p:ext>
+    </p:extLst>
+  </p:cSld>
+  <p:clrMapOvr>
+    <a:masterClrMapping/>
+  </p:clrMapOvr>
+</p:sld>
+</file>
+
+<file path=ppt/slides/slide13.xml><?xml version="1.0" encoding="utf-8"?>
+<p:sld xmlns:a="http://schemas.openxmlformats.org/drawingml/2006/main" xmlns:r="http://schemas.openxmlformats.org/officeDocument/2006/relationships" xmlns:p="http://schemas.openxmlformats.org/presentationml/2006/main">
+  <p:cSld>
+    <p:spTree>
+      <p:nvGrpSpPr>
+        <p:cNvPr id="1" name=""/>
+        <p:cNvGrpSpPr/>
+        <p:nvPr/>
+      </p:nvGrpSpPr>
+      <p:grpSpPr>
+        <a:xfrm>
+          <a:off x="0" y="0"/>
+          <a:ext cx="0" cy="0"/>
+          <a:chOff x="0" y="0"/>
+          <a:chExt cx="0" cy="0"/>
+        </a:xfrm>
+      </p:grpSpPr>
+      <p:sp>
+        <p:nvSpPr>
+          <p:cNvPr id="2" name="Date Placeholder 1">
+            <a:extLst>
+              <a:ext uri="{FF2B5EF4-FFF2-40B4-BE49-F238E27FC236}">
+                <a16:creationId xmlns:a16="http://schemas.microsoft.com/office/drawing/2014/main" id="{3C7A208B-BFE0-4A2F-946B-789B100BD59B}"/>
+              </a:ext>
+            </a:extLst>
+          </p:cNvPr>
+          <p:cNvSpPr>
+            <a:spLocks noGrp="1"/>
+          </p:cNvSpPr>
+          <p:nvPr>
+            <p:ph type="dt" sz="half" idx="10"/>
+          </p:nvPr>
+        </p:nvSpPr>
+        <p:spPr/>
+        <p:txBody>
+          <a:bodyPr/>
+          <a:lstStyle/>
+          <a:p>
+            <a:fld id="{0E812A91-4582-B444-871F-72F1C2FA284F}" type="datetime1">
+              <a:rPr lang="sv-SE" smtClean="0"/>
+              <a:t>2018-04-12</a:t>
+            </a:fld>
+            <a:endParaRPr lang="sv-SE"/>
+          </a:p>
+        </p:txBody>
+      </p:sp>
+      <p:sp>
+        <p:nvSpPr>
+          <p:cNvPr id="3" name="Slide Number Placeholder 2">
+            <a:extLst>
+              <a:ext uri="{FF2B5EF4-FFF2-40B4-BE49-F238E27FC236}">
+                <a16:creationId xmlns:a16="http://schemas.microsoft.com/office/drawing/2014/main" id="{2CF14A77-08F9-4A86-9A80-AE0EDD4E8CFF}"/>
+              </a:ext>
+            </a:extLst>
+          </p:cNvPr>
+          <p:cNvSpPr>
+            <a:spLocks noGrp="1"/>
+          </p:cNvSpPr>
+          <p:nvPr>
+            <p:ph type="sldNum" sz="quarter" idx="12"/>
+          </p:nvPr>
+        </p:nvSpPr>
+        <p:spPr/>
+        <p:txBody>
+          <a:bodyPr/>
+          <a:lstStyle/>
+          <a:p>
+            <a:fld id="{680D72F4-1C41-4187-A4BC-492CF086CF40}" type="slidenum">
+              <a:rPr lang="en-GB" smtClean="0"/>
+              <a:pPr/>
+              <a:t>13</a:t>
+            </a:fld>
+            <a:endParaRPr lang="en-GB"/>
+          </a:p>
+        </p:txBody>
+      </p:sp>
+      <p:sp>
+        <p:nvSpPr>
+          <p:cNvPr id="4" name="Footer Placeholder 3">
+            <a:extLst>
+              <a:ext uri="{FF2B5EF4-FFF2-40B4-BE49-F238E27FC236}">
+                <a16:creationId xmlns:a16="http://schemas.microsoft.com/office/drawing/2014/main" id="{F39FC6CB-E435-41B4-A239-FA7FE31DA63A}"/>
+              </a:ext>
+            </a:extLst>
+          </p:cNvPr>
+          <p:cNvSpPr>
+            <a:spLocks noGrp="1"/>
+          </p:cNvSpPr>
+          <p:nvPr>
+            <p:ph type="ftr" sz="quarter" idx="11"/>
+          </p:nvPr>
+        </p:nvSpPr>
+        <p:spPr/>
+        <p:txBody>
+          <a:bodyPr/>
+          <a:lstStyle/>
+          <a:p>
+            <a:r>
+              <a:rPr lang="fr-FR"/>
+              <a:t>SD2231 - Applied vehicle dynamics control</a:t>
+            </a:r>
+            <a:endParaRPr lang="en-GB" dirty="0"/>
+          </a:p>
+        </p:txBody>
+      </p:sp>
+      <p:sp>
+        <p:nvSpPr>
+          <p:cNvPr id="5" name="Title 4">
+            <a:extLst>
+              <a:ext uri="{FF2B5EF4-FFF2-40B4-BE49-F238E27FC236}">
+                <a16:creationId xmlns:a16="http://schemas.microsoft.com/office/drawing/2014/main" id="{14253C37-0510-436B-B63E-0AF0E4661C7B}"/>
+              </a:ext>
+            </a:extLst>
+          </p:cNvPr>
+          <p:cNvSpPr>
+            <a:spLocks noGrp="1"/>
+          </p:cNvSpPr>
+          <p:nvPr>
+            <p:ph type="title"/>
+          </p:nvPr>
+        </p:nvSpPr>
+        <p:spPr>
+          <a:xfrm>
+            <a:off x="1104106" y="359248"/>
+            <a:ext cx="6935788" cy="668338"/>
+          </a:xfrm>
+        </p:spPr>
+        <p:txBody>
+          <a:bodyPr/>
+          <a:lstStyle/>
+          <a:p>
+            <a:pPr algn="ctr"/>
+            <a:r>
+              <a:rPr lang="en-US" dirty="0"/>
+              <a:t>Road Vehicle: TCS acceleration times (in seconds)</a:t>
+            </a:r>
+          </a:p>
+        </p:txBody>
+      </p:sp>
+      <p:graphicFrame>
+        <p:nvGraphicFramePr>
+          <p:cNvPr id="7" name="Content Placeholder 6">
+            <a:extLst>
+              <a:ext uri="{FF2B5EF4-FFF2-40B4-BE49-F238E27FC236}">
+                <a16:creationId xmlns:a16="http://schemas.microsoft.com/office/drawing/2014/main" id="{BFF5828E-AFC4-4E5C-95E8-5BC403D6D5BE}"/>
+              </a:ext>
+            </a:extLst>
+          </p:cNvPr>
+          <p:cNvGraphicFramePr>
+            <a:graphicFrameLocks noGrp="1"/>
+          </p:cNvGraphicFramePr>
+          <p:nvPr>
+            <p:ph idx="1"/>
+            <p:extLst>
+              <p:ext uri="{D42A27DB-BD31-4B8C-83A1-F6EECF244321}">
+                <p14:modId xmlns:p14="http://schemas.microsoft.com/office/powerpoint/2010/main" val="4240171581"/>
+              </p:ext>
+            </p:extLst>
+          </p:nvPr>
+        </p:nvGraphicFramePr>
+        <p:xfrm>
+          <a:off x="1104106" y="1476110"/>
+          <a:ext cx="6935788" cy="2250468"/>
+        </p:xfrm>
+        <a:graphic>
+          <a:graphicData uri="http://schemas.openxmlformats.org/drawingml/2006/table">
+            <a:tbl>
+              <a:tblPr firstRow="1" bandRow="1">
+                <a:tableStyleId>{5C22544A-7EE6-4342-B048-85BDC9FD1C3A}</a:tableStyleId>
+              </a:tblPr>
+              <a:tblGrid>
+                <a:gridCol w="1733947">
+                  <a:extLst>
+                    <a:ext uri="{9D8B030D-6E8A-4147-A177-3AD203B41FA5}">
+                      <a16:colId xmlns:a16="http://schemas.microsoft.com/office/drawing/2014/main" val="2168022062"/>
+                    </a:ext>
+                  </a:extLst>
+                </a:gridCol>
+                <a:gridCol w="1733947">
+                  <a:extLst>
+                    <a:ext uri="{9D8B030D-6E8A-4147-A177-3AD203B41FA5}">
+                      <a16:colId xmlns:a16="http://schemas.microsoft.com/office/drawing/2014/main" val="1273176979"/>
+                    </a:ext>
+                  </a:extLst>
+                </a:gridCol>
+                <a:gridCol w="1733947">
+                  <a:extLst>
+                    <a:ext uri="{9D8B030D-6E8A-4147-A177-3AD203B41FA5}">
+                      <a16:colId xmlns:a16="http://schemas.microsoft.com/office/drawing/2014/main" val="1597372334"/>
+                    </a:ext>
+                  </a:extLst>
+                </a:gridCol>
+                <a:gridCol w="1733947">
+                  <a:extLst>
+                    <a:ext uri="{9D8B030D-6E8A-4147-A177-3AD203B41FA5}">
+                      <a16:colId xmlns:a16="http://schemas.microsoft.com/office/drawing/2014/main" val="1479511040"/>
+                    </a:ext>
+                  </a:extLst>
+                </a:gridCol>
+              </a:tblGrid>
+              <a:tr h="370840">
+                <a:tc>
+                  <a:txBody>
+                    <a:bodyPr/>
+                    <a:lstStyle/>
+                    <a:p>
+                      <a:r>
+                        <a:rPr lang="en-US" dirty="0"/>
+                        <a:t>Controller</a:t>
+                      </a:r>
+                    </a:p>
+                  </a:txBody>
+                  <a:tcPr/>
+                </a:tc>
+                <a:tc>
+                  <a:txBody>
+                    <a:bodyPr/>
+                    <a:lstStyle/>
+                    <a:p>
+                      <a:r>
+                        <a:rPr lang="en-US" dirty="0"/>
+                        <a:t>Dry</a:t>
+                      </a:r>
+                    </a:p>
+                  </a:txBody>
+                  <a:tcPr/>
+                </a:tc>
+                <a:tc>
+                  <a:txBody>
+                    <a:bodyPr/>
+                    <a:lstStyle/>
+                    <a:p>
+                      <a:r>
+                        <a:rPr lang="en-US" dirty="0"/>
+                        <a:t>Wet</a:t>
+                      </a:r>
+                    </a:p>
+                  </a:txBody>
+                  <a:tcPr/>
+                </a:tc>
+                <a:tc>
+                  <a:txBody>
+                    <a:bodyPr/>
+                    <a:lstStyle/>
+                    <a:p>
+                      <a:r>
+                        <a:rPr lang="en-US" dirty="0"/>
+                        <a:t>Ice</a:t>
+                      </a:r>
+                    </a:p>
+                  </a:txBody>
+                  <a:tcPr/>
+                </a:tc>
+                <a:extLst>
+                  <a:ext uri="{0D108BD9-81ED-4DB2-BD59-A6C34878D82A}">
+                    <a16:rowId xmlns:a16="http://schemas.microsoft.com/office/drawing/2014/main" val="1223205004"/>
+                  </a:ext>
+                </a:extLst>
+              </a:tr>
+              <a:tr h="370840">
+                <a:tc>
+                  <a:txBody>
+                    <a:bodyPr/>
+                    <a:lstStyle/>
+                    <a:p>
+                      <a:r>
+                        <a:rPr lang="en-US" dirty="0"/>
+                        <a:t>Uncontrolled</a:t>
+                      </a:r>
+                    </a:p>
+                  </a:txBody>
+                  <a:tcPr/>
+                </a:tc>
+                <a:tc>
+                  <a:txBody>
+                    <a:bodyPr/>
+                    <a:lstStyle/>
+                    <a:p>
+                      <a:r>
+                        <a:rPr lang="en-US" dirty="0"/>
+                        <a:t>3.73 s</a:t>
+                      </a:r>
+                    </a:p>
+                  </a:txBody>
+                  <a:tcPr/>
+                </a:tc>
+                <a:tc>
+                  <a:txBody>
+                    <a:bodyPr/>
+                    <a:lstStyle/>
+                    <a:p>
+                      <a:r>
+                        <a:rPr lang="en-US" dirty="0">
+                          <a:solidFill>
+                            <a:srgbClr val="00B050"/>
+                          </a:solidFill>
+                        </a:rPr>
+                        <a:t>3.74 s</a:t>
+                      </a:r>
+                    </a:p>
+                  </a:txBody>
+                  <a:tcPr/>
+                </a:tc>
+                <a:tc>
+                  <a:txBody>
+                    <a:bodyPr/>
+                    <a:lstStyle/>
+                    <a:p>
+                      <a:r>
+                        <a:rPr lang="en-US" dirty="0">
+                          <a:solidFill>
+                            <a:srgbClr val="00B050"/>
+                          </a:solidFill>
+                        </a:rPr>
+                        <a:t>8.56 s </a:t>
+                      </a:r>
+                    </a:p>
+                  </a:txBody>
+                  <a:tcPr/>
+                </a:tc>
+                <a:extLst>
+                  <a:ext uri="{0D108BD9-81ED-4DB2-BD59-A6C34878D82A}">
+                    <a16:rowId xmlns:a16="http://schemas.microsoft.com/office/drawing/2014/main" val="3546324608"/>
+                  </a:ext>
+                </a:extLst>
+              </a:tr>
+              <a:tr h="396268">
+                <a:tc>
+                  <a:txBody>
+                    <a:bodyPr/>
+                    <a:lstStyle/>
+                    <a:p>
+                      <a:r>
+                        <a:rPr lang="en-US" dirty="0"/>
+                        <a:t>P</a:t>
+                      </a:r>
+                    </a:p>
+                  </a:txBody>
+                  <a:tcPr/>
+                </a:tc>
+                <a:tc>
+                  <a:txBody>
+                    <a:bodyPr/>
+                    <a:lstStyle/>
+                    <a:p>
+                      <a:r>
+                        <a:rPr lang="en-US" dirty="0"/>
+                        <a:t>2.94 s</a:t>
+                      </a:r>
+                    </a:p>
+                  </a:txBody>
+                  <a:tcPr/>
+                </a:tc>
+                <a:tc>
+                  <a:txBody>
+                    <a:bodyPr/>
+                    <a:lstStyle/>
+                    <a:p>
+                      <a:r>
+                        <a:rPr lang="en-US" dirty="0"/>
+                        <a:t>3.88 s</a:t>
+                      </a:r>
+                    </a:p>
+                  </a:txBody>
+                  <a:tcPr/>
+                </a:tc>
+                <a:tc>
+                  <a:txBody>
+                    <a:bodyPr/>
+                    <a:lstStyle/>
+                    <a:p>
+                      <a:r>
+                        <a:rPr lang="en-US" dirty="0"/>
+                        <a:t>8.81 s</a:t>
+                      </a:r>
+                    </a:p>
+                  </a:txBody>
+                  <a:tcPr/>
+                </a:tc>
+                <a:extLst>
+                  <a:ext uri="{0D108BD9-81ED-4DB2-BD59-A6C34878D82A}">
+                    <a16:rowId xmlns:a16="http://schemas.microsoft.com/office/drawing/2014/main" val="3975746168"/>
+                  </a:ext>
+                </a:extLst>
+              </a:tr>
+              <a:tr h="370840">
+                <a:tc>
+                  <a:txBody>
+                    <a:bodyPr/>
+                    <a:lstStyle/>
+                    <a:p>
+                      <a:r>
+                        <a:rPr lang="en-US" dirty="0"/>
+                        <a:t>PD</a:t>
+                      </a:r>
+                    </a:p>
+                  </a:txBody>
+                  <a:tcPr/>
+                </a:tc>
+                <a:tc>
+                  <a:txBody>
+                    <a:bodyPr/>
+                    <a:lstStyle/>
+                    <a:p>
+                      <a:r>
+                        <a:rPr lang="en-US" dirty="0"/>
+                        <a:t>2.84 s</a:t>
+                      </a:r>
+                    </a:p>
+                  </a:txBody>
+                  <a:tcPr/>
+                </a:tc>
+                <a:tc>
+                  <a:txBody>
+                    <a:bodyPr/>
+                    <a:lstStyle/>
+                    <a:p>
+                      <a:r>
+                        <a:rPr lang="en-US" dirty="0">
+                          <a:solidFill>
+                            <a:srgbClr val="FF0000"/>
+                          </a:solidFill>
+                        </a:rPr>
+                        <a:t>3.76 s</a:t>
+                      </a:r>
+                    </a:p>
+                  </a:txBody>
+                  <a:tcPr/>
+                </a:tc>
+                <a:tc>
+                  <a:txBody>
+                    <a:bodyPr/>
+                    <a:lstStyle/>
+                    <a:p>
+                      <a:r>
+                        <a:rPr lang="en-US" dirty="0">
+                          <a:solidFill>
+                            <a:srgbClr val="FF0000"/>
+                          </a:solidFill>
+                        </a:rPr>
+                        <a:t>8.60 s</a:t>
+                      </a:r>
+                    </a:p>
+                  </a:txBody>
+                  <a:tcPr/>
+                </a:tc>
+                <a:extLst>
+                  <a:ext uri="{0D108BD9-81ED-4DB2-BD59-A6C34878D82A}">
+                    <a16:rowId xmlns:a16="http://schemas.microsoft.com/office/drawing/2014/main" val="2268270964"/>
+                  </a:ext>
+                </a:extLst>
+              </a:tr>
+              <a:tr h="370840">
+                <a:tc>
+                  <a:txBody>
+                    <a:bodyPr/>
+                    <a:lstStyle/>
+                    <a:p>
+                      <a:r>
+                        <a:rPr lang="en-US" dirty="0"/>
+                        <a:t>PI</a:t>
+                      </a:r>
+                    </a:p>
+                  </a:txBody>
+                  <a:tcPr/>
+                </a:tc>
+                <a:tc>
+                  <a:txBody>
+                    <a:bodyPr/>
+                    <a:lstStyle/>
+                    <a:p>
+                      <a:r>
+                        <a:rPr lang="en-US" dirty="0"/>
+                        <a:t>2.93 s </a:t>
+                      </a:r>
+                    </a:p>
+                  </a:txBody>
+                  <a:tcPr/>
+                </a:tc>
+                <a:tc>
+                  <a:txBody>
+                    <a:bodyPr/>
+                    <a:lstStyle/>
+                    <a:p>
+                      <a:r>
+                        <a:rPr lang="en-US" dirty="0"/>
+                        <a:t>3.88 s</a:t>
+                      </a:r>
+                    </a:p>
+                  </a:txBody>
+                  <a:tcPr/>
+                </a:tc>
+                <a:tc>
+                  <a:txBody>
+                    <a:bodyPr/>
+                    <a:lstStyle/>
+                    <a:p>
+                      <a:r>
+                        <a:rPr lang="en-US" dirty="0"/>
+                        <a:t>8.77 s </a:t>
+                      </a:r>
+                    </a:p>
+                  </a:txBody>
+                  <a:tcPr/>
+                </a:tc>
+                <a:extLst>
+                  <a:ext uri="{0D108BD9-81ED-4DB2-BD59-A6C34878D82A}">
+                    <a16:rowId xmlns:a16="http://schemas.microsoft.com/office/drawing/2014/main" val="2646975746"/>
+                  </a:ext>
+                </a:extLst>
+              </a:tr>
+              <a:tr h="370840">
+                <a:tc>
+                  <a:txBody>
+                    <a:bodyPr/>
+                    <a:lstStyle/>
+                    <a:p>
+                      <a:r>
+                        <a:rPr lang="en-US" dirty="0"/>
+                        <a:t>PID</a:t>
+                      </a:r>
+                    </a:p>
+                  </a:txBody>
+                  <a:tcPr/>
+                </a:tc>
+                <a:tc>
+                  <a:txBody>
+                    <a:bodyPr/>
+                    <a:lstStyle/>
+                    <a:p>
+                      <a:r>
+                        <a:rPr lang="en-US" dirty="0">
+                          <a:solidFill>
+                            <a:srgbClr val="FF0000"/>
+                          </a:solidFill>
+                        </a:rPr>
+                        <a:t>2.82 s</a:t>
+                      </a:r>
+                    </a:p>
+                  </a:txBody>
+                  <a:tcPr/>
+                </a:tc>
+                <a:tc>
+                  <a:txBody>
+                    <a:bodyPr/>
+                    <a:lstStyle/>
+                    <a:p>
+                      <a:r>
+                        <a:rPr lang="en-US" dirty="0"/>
+                        <a:t>3.78 s</a:t>
+                      </a:r>
+                    </a:p>
+                  </a:txBody>
+                  <a:tcPr/>
+                </a:tc>
+                <a:tc>
+                  <a:txBody>
+                    <a:bodyPr/>
+                    <a:lstStyle/>
+                    <a:p>
+                      <a:r>
+                        <a:rPr lang="en-US" dirty="0"/>
+                        <a:t>8.67 s</a:t>
+                      </a:r>
+                    </a:p>
+                  </a:txBody>
+                  <a:tcPr/>
+                </a:tc>
+                <a:extLst>
+                  <a:ext uri="{0D108BD9-81ED-4DB2-BD59-A6C34878D82A}">
+                    <a16:rowId xmlns:a16="http://schemas.microsoft.com/office/drawing/2014/main" val="3768461736"/>
+                  </a:ext>
+                </a:extLst>
+              </a:tr>
+            </a:tbl>
+          </a:graphicData>
+        </a:graphic>
+      </p:graphicFrame>
+      <p:sp>
+        <p:nvSpPr>
+          <p:cNvPr id="8" name="TextBox 7">
+            <a:extLst>
+              <a:ext uri="{FF2B5EF4-FFF2-40B4-BE49-F238E27FC236}">
+                <a16:creationId xmlns:a16="http://schemas.microsoft.com/office/drawing/2014/main" id="{76359E9A-6045-40BB-A24B-48A58139B7CC}"/>
+              </a:ext>
+            </a:extLst>
+          </p:cNvPr>
+          <p:cNvSpPr txBox="1"/>
+          <p:nvPr/>
+        </p:nvSpPr>
+        <p:spPr>
+          <a:xfrm>
+            <a:off x="1645558" y="4364182"/>
+            <a:ext cx="5852884" cy="369332"/>
+          </a:xfrm>
+          <a:prstGeom prst="rect">
+            <a:avLst/>
+          </a:prstGeom>
+          <a:noFill/>
+        </p:spPr>
+        <p:txBody>
+          <a:bodyPr wrap="none" rtlCol="0">
+            <a:spAutoFit/>
+          </a:bodyPr>
+          <a:lstStyle/>
+          <a:p>
+            <a:r>
+              <a:rPr lang="en-US" b="1" dirty="0"/>
+              <a:t>PID Controller saves 0.91 seconds (on Dry surface) </a:t>
+            </a:r>
+          </a:p>
+        </p:txBody>
+      </p:sp>
+    </p:spTree>
+    <p:extLst>
+      <p:ext uri="{BB962C8B-B14F-4D97-AF65-F5344CB8AC3E}">
+        <p14:creationId xmlns:p14="http://schemas.microsoft.com/office/powerpoint/2010/main" val="970897651"/>
+      </p:ext>
+    </p:extLst>
+  </p:cSld>
+  <p:clrMapOvr>
+    <a:masterClrMapping/>
+  </p:clrMapOvr>
+</p:sld>
+</file>
+
+<file path=ppt/slides/slide14.xml><?xml version="1.0" encoding="utf-8"?>
+<p:sld xmlns:a="http://schemas.openxmlformats.org/drawingml/2006/main" xmlns:r="http://schemas.openxmlformats.org/officeDocument/2006/relationships" xmlns:p="http://schemas.openxmlformats.org/presentationml/2006/main">
+  <p:cSld>
+    <p:spTree>
+      <p:nvGrpSpPr>
+        <p:cNvPr id="1" name=""/>
+        <p:cNvGrpSpPr/>
+        <p:nvPr/>
+      </p:nvGrpSpPr>
+      <p:grpSpPr>
+        <a:xfrm>
+          <a:off x="0" y="0"/>
+          <a:ext cx="0" cy="0"/>
+          <a:chOff x="0" y="0"/>
+          <a:chExt cx="0" cy="0"/>
+        </a:xfrm>
+      </p:grpSpPr>
+      <p:sp>
+        <p:nvSpPr>
+          <p:cNvPr id="2" name="Date Placeholder 1"/>
+          <p:cNvSpPr>
+            <a:spLocks noGrp="1"/>
+          </p:cNvSpPr>
+          <p:nvPr>
+            <p:ph type="dt" sz="half" idx="10"/>
+          </p:nvPr>
+        </p:nvSpPr>
+        <p:spPr/>
+        <p:txBody>
+          <a:bodyPr/>
+          <a:lstStyle/>
+          <a:p>
+            <a:fld id="{0E812A91-4582-B444-871F-72F1C2FA284F}" type="datetime1">
+              <a:rPr lang="sv-SE" smtClean="0"/>
+              <a:t>2018-04-12</a:t>
+            </a:fld>
+            <a:endParaRPr lang="sv-SE"/>
+          </a:p>
+        </p:txBody>
+      </p:sp>
+      <p:sp>
+        <p:nvSpPr>
+          <p:cNvPr id="3" name="Slide Number Placeholder 2"/>
+          <p:cNvSpPr>
+            <a:spLocks noGrp="1"/>
+          </p:cNvSpPr>
+          <p:nvPr>
+            <p:ph type="sldNum" sz="quarter" idx="12"/>
+          </p:nvPr>
+        </p:nvSpPr>
+        <p:spPr/>
+        <p:txBody>
+          <a:bodyPr/>
+          <a:lstStyle/>
+          <a:p>
+            <a:fld id="{680D72F4-1C41-4187-A4BC-492CF086CF40}" type="slidenum">
+              <a:rPr lang="en-GB" smtClean="0"/>
+              <a:pPr/>
+              <a:t>14</a:t>
             </a:fld>
             <a:endParaRPr lang="en-GB"/>
           </a:p>
@@ -16577,6 +17861,41 @@
           </a:p>
         </p:txBody>
       </p:sp>
+      <p:pic>
+        <p:nvPicPr>
+          <p:cNvPr id="9" name="Picture 8">
+            <a:extLst>
+              <a:ext uri="{FF2B5EF4-FFF2-40B4-BE49-F238E27FC236}">
+                <a16:creationId xmlns:a16="http://schemas.microsoft.com/office/drawing/2014/main" id="{27A631D0-9B62-419F-9415-CAEA3BF34627}"/>
+              </a:ext>
+            </a:extLst>
+          </p:cNvPr>
+          <p:cNvPicPr>
+            <a:picLocks noChangeAspect="1"/>
+          </p:cNvPicPr>
+          <p:nvPr/>
+        </p:nvPicPr>
+        <p:blipFill rotWithShape="1">
+          <a:blip r:embed="rId2">
+            <a:extLst>
+              <a:ext uri="{28A0092B-C50C-407E-A947-70E740481C1C}">
+                <a14:useLocalDpi xmlns:a14="http://schemas.microsoft.com/office/drawing/2010/main" val="0"/>
+              </a:ext>
+            </a:extLst>
+          </a:blip>
+          <a:srcRect l="7605" t="6130" r="7449" b="3271"/>
+          <a:stretch/>
+        </p:blipFill>
+        <p:spPr>
+          <a:xfrm>
+            <a:off x="1440475" y="872704"/>
+            <a:ext cx="6263049" cy="5009933"/>
+          </a:xfrm>
+          <a:prstGeom prst="rect">
+            <a:avLst/>
+          </a:prstGeom>
+        </p:spPr>
+      </p:pic>
     </p:spTree>
     <p:extLst>
       <p:ext uri="{BB962C8B-B14F-4D97-AF65-F5344CB8AC3E}">
@@ -16590,7 +17909,7 @@
 </p:sld>
 </file>
 
-<file path=ppt/slides/slide11.xml><?xml version="1.0" encoding="utf-8"?>
+<file path=ppt/slides/slide15.xml><?xml version="1.0" encoding="utf-8"?>
 <p:sld xmlns:a="http://schemas.openxmlformats.org/drawingml/2006/main" xmlns:r="http://schemas.openxmlformats.org/officeDocument/2006/relationships" xmlns:p="http://schemas.openxmlformats.org/presentationml/2006/main">
   <p:cSld>
     <p:spTree>
@@ -16660,7 +17979,7 @@
             <a:fld id="{680D72F4-1C41-4187-A4BC-492CF086CF40}" type="slidenum">
               <a:rPr lang="en-GB" smtClean="0"/>
               <a:pPr/>
-              <a:t>11</a:t>
+              <a:t>15</a:t>
             </a:fld>
             <a:endParaRPr lang="en-GB"/>
           </a:p>
@@ -16745,7 +18064,7 @@
             <p:ph idx="1"/>
             <p:extLst>
               <p:ext uri="{D42A27DB-BD31-4B8C-83A1-F6EECF244321}">
-                <p14:modId xmlns:p14="http://schemas.microsoft.com/office/powerpoint/2010/main" val="4093019667"/>
+                <p14:modId xmlns:p14="http://schemas.microsoft.com/office/powerpoint/2010/main" val="2676742157"/>
               </p:ext>
             </p:extLst>
           </p:nvPr>
@@ -17152,7 +18471,7 @@
                     <a:p>
                       <a:r>
                         <a:rPr lang="en-US" dirty="0"/>
-                        <a:t>177.79</a:t>
+                        <a:t>177.79m</a:t>
                       </a:r>
                     </a:p>
                   </a:txBody>
@@ -17203,6 +18522,49 @@
           </a:p>
         </p:txBody>
       </p:sp>
+      <p:sp>
+        <p:nvSpPr>
+          <p:cNvPr id="6" name="Rectangle 5">
+            <a:extLst>
+              <a:ext uri="{FF2B5EF4-FFF2-40B4-BE49-F238E27FC236}">
+                <a16:creationId xmlns:a16="http://schemas.microsoft.com/office/drawing/2014/main" id="{3C6C5B2D-FD0C-4455-995D-C4937CE0B791}"/>
+              </a:ext>
+            </a:extLst>
+          </p:cNvPr>
+          <p:cNvSpPr/>
+          <p:nvPr/>
+        </p:nvSpPr>
+        <p:spPr>
+          <a:xfrm>
+            <a:off x="2228850" y="4787031"/>
+            <a:ext cx="4572000" cy="646331"/>
+          </a:xfrm>
+          <a:prstGeom prst="rect">
+            <a:avLst/>
+          </a:prstGeom>
+        </p:spPr>
+        <p:txBody>
+          <a:bodyPr>
+            <a:spAutoFit/>
+          </a:bodyPr>
+          <a:lstStyle/>
+          <a:p>
+            <a:pPr algn="ctr"/>
+            <a:r>
+              <a:rPr lang="en-US" b="1" dirty="0"/>
+              <a:t>All controllers give similar results. PD and </a:t>
+            </a:r>
+            <a:r>
+              <a:rPr lang="en-US" b="1"/>
+              <a:t>PID give </a:t>
+            </a:r>
+            <a:r>
+              <a:rPr lang="en-US" b="1" dirty="0"/>
+              <a:t>most stable response</a:t>
+            </a:r>
+          </a:p>
+        </p:txBody>
+      </p:sp>
     </p:spTree>
     <p:extLst>
       <p:ext uri="{BB962C8B-B14F-4D97-AF65-F5344CB8AC3E}">
@@ -17216,7 +18578,7 @@
 </p:sld>
 </file>
 
-<file path=ppt/slides/slide12.xml><?xml version="1.0" encoding="utf-8"?>
+<file path=ppt/slides/slide16.xml><?xml version="1.0" encoding="utf-8"?>
 <p:sld xmlns:a="http://schemas.openxmlformats.org/drawingml/2006/main" xmlns:r="http://schemas.openxmlformats.org/officeDocument/2006/relationships" xmlns:p="http://schemas.openxmlformats.org/presentationml/2006/main">
   <p:cSld>
     <p:spTree>
@@ -17274,7 +18636,7 @@
             <a:fld id="{680D72F4-1C41-4187-A4BC-492CF086CF40}" type="slidenum">
               <a:rPr lang="en-GB" smtClean="0"/>
               <a:pPr/>
-              <a:t>12</a:t>
+              <a:t>16</a:t>
             </a:fld>
             <a:endParaRPr lang="en-GB"/>
           </a:p>
@@ -17378,7 +18740,7 @@
 </p:sld>
 </file>
 
-<file path=ppt/slides/slide13.xml><?xml version="1.0" encoding="utf-8"?>
+<file path=ppt/slides/slide17.xml><?xml version="1.0" encoding="utf-8"?>
 <p:sld xmlns:a="http://schemas.openxmlformats.org/drawingml/2006/main" xmlns:r="http://schemas.openxmlformats.org/officeDocument/2006/relationships" xmlns:p="http://schemas.openxmlformats.org/presentationml/2006/main">
   <p:cSld>
     <p:spTree>
@@ -17448,7 +18810,7 @@
             <a:fld id="{680D72F4-1C41-4187-A4BC-492CF086CF40}" type="slidenum">
               <a:rPr lang="en-GB" smtClean="0"/>
               <a:pPr/>
-              <a:t>13</a:t>
+              <a:t>17</a:t>
             </a:fld>
             <a:endParaRPr lang="en-GB"/>
           </a:p>
@@ -17826,7 +19188,7 @@
 </p:sld>
 </file>
 
-<file path=ppt/slides/slide14.xml><?xml version="1.0" encoding="utf-8"?>
+<file path=ppt/slides/slide18.xml><?xml version="1.0" encoding="utf-8"?>
 <p:sld xmlns:a="http://schemas.openxmlformats.org/drawingml/2006/main" xmlns:r="http://schemas.openxmlformats.org/officeDocument/2006/relationships" xmlns:p="http://schemas.openxmlformats.org/presentationml/2006/main">
   <p:cSld>
     <p:spTree>
@@ -17896,7 +19258,7 @@
             <a:fld id="{680D72F4-1C41-4187-A4BC-492CF086CF40}" type="slidenum">
               <a:rPr lang="en-GB" smtClean="0"/>
               <a:pPr/>
-              <a:t>14</a:t>
+              <a:t>18</a:t>
             </a:fld>
             <a:endParaRPr lang="en-GB"/>
           </a:p>
@@ -18274,7 +19636,7 @@
 </p:sld>
 </file>
 
-<file path=ppt/slides/slide15.xml><?xml version="1.0" encoding="utf-8"?>
+<file path=ppt/slides/slide19.xml><?xml version="1.0" encoding="utf-8"?>
 <p:sld xmlns:a="http://schemas.openxmlformats.org/drawingml/2006/main" xmlns:r="http://schemas.openxmlformats.org/officeDocument/2006/relationships" xmlns:p="http://schemas.openxmlformats.org/presentationml/2006/main">
   <p:cSld>
     <p:spTree>
@@ -18332,7 +19694,7 @@
             <a:fld id="{680D72F4-1C41-4187-A4BC-492CF086CF40}" type="slidenum">
               <a:rPr lang="en-GB" smtClean="0"/>
               <a:pPr/>
-              <a:t>15</a:t>
+              <a:t>19</a:t>
             </a:fld>
             <a:endParaRPr lang="en-GB"/>
           </a:p>
@@ -18928,8 +20290,15 @@
             </a:pPr>
             <a:r>
               <a:rPr lang="en-US" dirty="0"/>
-              <a:t>Created scripts that automate simulations and generate results to optimize the feedthrough gains and controller gains using minimal manual iterations.</a:t>
+              <a:t>Created scripts that automate simulations and generate results and usage of Simulation Data inspector to compare results during tuning</a:t>
             </a:r>
+          </a:p>
+          <a:p>
+            <a:pPr marL="457200" indent="-457200">
+              <a:buFont typeface="Arial" charset="0"/>
+              <a:buChar char="•"/>
+            </a:pPr>
+            <a:endParaRPr lang="en-US" dirty="0"/>
           </a:p>
           <a:p>
             <a:pPr marL="457200" indent="-457200">
@@ -18946,10 +20315,24 @@
               <a:buFont typeface="Arial" charset="0"/>
               <a:buChar char="•"/>
             </a:pPr>
+            <a:endParaRPr lang="en-US" dirty="0"/>
+          </a:p>
+          <a:p>
+            <a:pPr marL="457200" indent="-457200">
+              <a:buFont typeface="Arial" charset="0"/>
+              <a:buChar char="•"/>
+            </a:pPr>
             <a:r>
               <a:rPr lang="en-US" dirty="0"/>
               <a:t>ABS operates using both motor and brake torques.</a:t>
             </a:r>
+          </a:p>
+          <a:p>
+            <a:pPr marL="457200" indent="-457200">
+              <a:buFont typeface="Arial" charset="0"/>
+              <a:buChar char="•"/>
+            </a:pPr>
+            <a:endParaRPr lang="en-US" dirty="0"/>
           </a:p>
           <a:p>
             <a:pPr marL="457200" indent="-457200">
@@ -19319,7 +20702,7 @@
           </p:nvPr>
         </p:nvPicPr>
         <p:blipFill>
-          <a:blip r:embed="rId2">
+          <a:blip r:embed="rId3">
             <a:extLst>
               <a:ext uri="{28A0092B-C50C-407E-A947-70E740481C1C}">
                 <a14:useLocalDpi xmlns:a14="http://schemas.microsoft.com/office/drawing/2010/main" val="0"/>
@@ -19556,6 +20939,589 @@
       </p:grpSpPr>
       <p:sp>
         <p:nvSpPr>
+          <p:cNvPr id="2" name="Date Placeholder 1">
+            <a:extLst>
+              <a:ext uri="{FF2B5EF4-FFF2-40B4-BE49-F238E27FC236}">
+                <a16:creationId xmlns:a16="http://schemas.microsoft.com/office/drawing/2014/main" id="{2ECC0462-A7DA-484A-BAE3-71F5F35C8530}"/>
+              </a:ext>
+            </a:extLst>
+          </p:cNvPr>
+          <p:cNvSpPr>
+            <a:spLocks noGrp="1"/>
+          </p:cNvSpPr>
+          <p:nvPr>
+            <p:ph type="dt" sz="half" idx="10"/>
+          </p:nvPr>
+        </p:nvSpPr>
+        <p:spPr/>
+        <p:txBody>
+          <a:bodyPr/>
+          <a:lstStyle/>
+          <a:p>
+            <a:fld id="{0E812A91-4582-B444-871F-72F1C2FA284F}" type="datetime1">
+              <a:rPr lang="sv-SE" smtClean="0"/>
+              <a:t>2018-04-12</a:t>
+            </a:fld>
+            <a:endParaRPr lang="sv-SE"/>
+          </a:p>
+        </p:txBody>
+      </p:sp>
+      <p:sp>
+        <p:nvSpPr>
+          <p:cNvPr id="3" name="Slide Number Placeholder 2">
+            <a:extLst>
+              <a:ext uri="{FF2B5EF4-FFF2-40B4-BE49-F238E27FC236}">
+                <a16:creationId xmlns:a16="http://schemas.microsoft.com/office/drawing/2014/main" id="{3DD6407B-6BF6-497E-A6F7-D23284CA00F0}"/>
+              </a:ext>
+            </a:extLst>
+          </p:cNvPr>
+          <p:cNvSpPr>
+            <a:spLocks noGrp="1"/>
+          </p:cNvSpPr>
+          <p:nvPr>
+            <p:ph type="sldNum" sz="quarter" idx="12"/>
+          </p:nvPr>
+        </p:nvSpPr>
+        <p:spPr/>
+        <p:txBody>
+          <a:bodyPr/>
+          <a:lstStyle/>
+          <a:p>
+            <a:fld id="{680D72F4-1C41-4187-A4BC-492CF086CF40}" type="slidenum">
+              <a:rPr lang="en-GB" smtClean="0"/>
+              <a:pPr/>
+              <a:t>6</a:t>
+            </a:fld>
+            <a:endParaRPr lang="en-GB"/>
+          </a:p>
+        </p:txBody>
+      </p:sp>
+      <p:sp>
+        <p:nvSpPr>
+          <p:cNvPr id="4" name="Footer Placeholder 3">
+            <a:extLst>
+              <a:ext uri="{FF2B5EF4-FFF2-40B4-BE49-F238E27FC236}">
+                <a16:creationId xmlns:a16="http://schemas.microsoft.com/office/drawing/2014/main" id="{1551C673-1E78-413A-9C74-F520501E3837}"/>
+              </a:ext>
+            </a:extLst>
+          </p:cNvPr>
+          <p:cNvSpPr>
+            <a:spLocks noGrp="1"/>
+          </p:cNvSpPr>
+          <p:nvPr>
+            <p:ph type="ftr" sz="quarter" idx="11"/>
+          </p:nvPr>
+        </p:nvSpPr>
+        <p:spPr/>
+        <p:txBody>
+          <a:bodyPr/>
+          <a:lstStyle/>
+          <a:p>
+            <a:r>
+              <a:rPr lang="fr-FR"/>
+              <a:t>SD2231 - Applied vehicle dynamics control</a:t>
+            </a:r>
+            <a:endParaRPr lang="en-GB" dirty="0"/>
+          </a:p>
+        </p:txBody>
+      </p:sp>
+      <p:sp>
+        <p:nvSpPr>
+          <p:cNvPr id="5" name="Title 4">
+            <a:extLst>
+              <a:ext uri="{FF2B5EF4-FFF2-40B4-BE49-F238E27FC236}">
+                <a16:creationId xmlns:a16="http://schemas.microsoft.com/office/drawing/2014/main" id="{AED2657D-E39C-4342-9C6F-E2AF6299387F}"/>
+              </a:ext>
+            </a:extLst>
+          </p:cNvPr>
+          <p:cNvSpPr>
+            <a:spLocks noGrp="1"/>
+          </p:cNvSpPr>
+          <p:nvPr>
+            <p:ph type="title"/>
+          </p:nvPr>
+        </p:nvSpPr>
+        <p:spPr/>
+        <p:txBody>
+          <a:bodyPr/>
+          <a:lstStyle/>
+          <a:p>
+            <a:r>
+              <a:rPr lang="en-US" dirty="0"/>
+              <a:t>Iterative Looping</a:t>
+            </a:r>
+          </a:p>
+        </p:txBody>
+      </p:sp>
+      <p:pic>
+        <p:nvPicPr>
+          <p:cNvPr id="14" name="Content Placeholder 13">
+            <a:extLst>
+              <a:ext uri="{FF2B5EF4-FFF2-40B4-BE49-F238E27FC236}">
+                <a16:creationId xmlns:a16="http://schemas.microsoft.com/office/drawing/2014/main" id="{FD14D4B4-C6EF-45A4-B15E-EE420914F1F3}"/>
+              </a:ext>
+            </a:extLst>
+          </p:cNvPr>
+          <p:cNvPicPr>
+            <a:picLocks noGrp="1" noChangeAspect="1"/>
+          </p:cNvPicPr>
+          <p:nvPr>
+            <p:ph idx="1"/>
+          </p:nvPr>
+        </p:nvPicPr>
+        <p:blipFill rotWithShape="1">
+          <a:blip r:embed="rId2">
+            <a:extLst>
+              <a:ext uri="{28A0092B-C50C-407E-A947-70E740481C1C}">
+                <a14:useLocalDpi xmlns:a14="http://schemas.microsoft.com/office/drawing/2010/main" val="0"/>
+              </a:ext>
+            </a:extLst>
+          </a:blip>
+          <a:srcRect l="6650" t="5154" r="6854" b="4411"/>
+          <a:stretch/>
+        </p:blipFill>
+        <p:spPr>
+          <a:xfrm>
+            <a:off x="228600" y="1808018"/>
+            <a:ext cx="3803073" cy="2982191"/>
+          </a:xfrm>
+        </p:spPr>
+      </p:pic>
+      <p:pic>
+        <p:nvPicPr>
+          <p:cNvPr id="16" name="Picture 15">
+            <a:extLst>
+              <a:ext uri="{FF2B5EF4-FFF2-40B4-BE49-F238E27FC236}">
+                <a16:creationId xmlns:a16="http://schemas.microsoft.com/office/drawing/2014/main" id="{E446FF95-D06B-41CF-8D04-69B2FE6E3B9C}"/>
+              </a:ext>
+            </a:extLst>
+          </p:cNvPr>
+          <p:cNvPicPr>
+            <a:picLocks noChangeAspect="1"/>
+          </p:cNvPicPr>
+          <p:nvPr/>
+        </p:nvPicPr>
+        <p:blipFill rotWithShape="1">
+          <a:blip r:embed="rId3">
+            <a:extLst>
+              <a:ext uri="{28A0092B-C50C-407E-A947-70E740481C1C}">
+                <a14:useLocalDpi xmlns:a14="http://schemas.microsoft.com/office/drawing/2010/main" val="0"/>
+              </a:ext>
+            </a:extLst>
+          </a:blip>
+          <a:srcRect l="5584" t="5065" r="7143"/>
+          <a:stretch/>
+        </p:blipFill>
+        <p:spPr>
+          <a:xfrm>
+            <a:off x="4260273" y="1530061"/>
+            <a:ext cx="4655127" cy="3797877"/>
+          </a:xfrm>
+          <a:prstGeom prst="rect">
+            <a:avLst/>
+          </a:prstGeom>
+        </p:spPr>
+      </p:pic>
+    </p:spTree>
+    <p:extLst>
+      <p:ext uri="{BB962C8B-B14F-4D97-AF65-F5344CB8AC3E}">
+        <p14:creationId xmlns:p14="http://schemas.microsoft.com/office/powerpoint/2010/main" val="385521718"/>
+      </p:ext>
+    </p:extLst>
+  </p:cSld>
+  <p:clrMapOvr>
+    <a:masterClrMapping/>
+  </p:clrMapOvr>
+</p:sld>
+</file>
+
+<file path=ppt/slides/slide7.xml><?xml version="1.0" encoding="utf-8"?>
+<p:sld xmlns:a="http://schemas.openxmlformats.org/drawingml/2006/main" xmlns:r="http://schemas.openxmlformats.org/officeDocument/2006/relationships" xmlns:p="http://schemas.openxmlformats.org/presentationml/2006/main">
+  <p:cSld>
+    <p:spTree>
+      <p:nvGrpSpPr>
+        <p:cNvPr id="1" name=""/>
+        <p:cNvGrpSpPr/>
+        <p:nvPr/>
+      </p:nvGrpSpPr>
+      <p:grpSpPr>
+        <a:xfrm>
+          <a:off x="0" y="0"/>
+          <a:ext cx="0" cy="0"/>
+          <a:chOff x="0" y="0"/>
+          <a:chExt cx="0" cy="0"/>
+        </a:xfrm>
+      </p:grpSpPr>
+      <p:sp>
+        <p:nvSpPr>
+          <p:cNvPr id="2" name="Date Placeholder 1">
+            <a:extLst>
+              <a:ext uri="{FF2B5EF4-FFF2-40B4-BE49-F238E27FC236}">
+                <a16:creationId xmlns:a16="http://schemas.microsoft.com/office/drawing/2014/main" id="{478F568B-9377-4093-A334-1E7291F7C461}"/>
+              </a:ext>
+            </a:extLst>
+          </p:cNvPr>
+          <p:cNvSpPr>
+            <a:spLocks noGrp="1"/>
+          </p:cNvSpPr>
+          <p:nvPr>
+            <p:ph type="dt" sz="half" idx="10"/>
+          </p:nvPr>
+        </p:nvSpPr>
+        <p:spPr/>
+        <p:txBody>
+          <a:bodyPr/>
+          <a:lstStyle/>
+          <a:p>
+            <a:fld id="{0E812A91-4582-B444-871F-72F1C2FA284F}" type="datetime1">
+              <a:rPr lang="sv-SE" smtClean="0"/>
+              <a:t>2018-04-12</a:t>
+            </a:fld>
+            <a:endParaRPr lang="sv-SE"/>
+          </a:p>
+        </p:txBody>
+      </p:sp>
+      <p:sp>
+        <p:nvSpPr>
+          <p:cNvPr id="3" name="Slide Number Placeholder 2">
+            <a:extLst>
+              <a:ext uri="{FF2B5EF4-FFF2-40B4-BE49-F238E27FC236}">
+                <a16:creationId xmlns:a16="http://schemas.microsoft.com/office/drawing/2014/main" id="{2D107D76-B130-4326-AD58-CD8EE1712F51}"/>
+              </a:ext>
+            </a:extLst>
+          </p:cNvPr>
+          <p:cNvSpPr>
+            <a:spLocks noGrp="1"/>
+          </p:cNvSpPr>
+          <p:nvPr>
+            <p:ph type="sldNum" sz="quarter" idx="12"/>
+          </p:nvPr>
+        </p:nvSpPr>
+        <p:spPr/>
+        <p:txBody>
+          <a:bodyPr/>
+          <a:lstStyle/>
+          <a:p>
+            <a:fld id="{680D72F4-1C41-4187-A4BC-492CF086CF40}" type="slidenum">
+              <a:rPr lang="en-GB" smtClean="0"/>
+              <a:pPr/>
+              <a:t>7</a:t>
+            </a:fld>
+            <a:endParaRPr lang="en-GB"/>
+          </a:p>
+        </p:txBody>
+      </p:sp>
+      <p:sp>
+        <p:nvSpPr>
+          <p:cNvPr id="4" name="Footer Placeholder 3">
+            <a:extLst>
+              <a:ext uri="{FF2B5EF4-FFF2-40B4-BE49-F238E27FC236}">
+                <a16:creationId xmlns:a16="http://schemas.microsoft.com/office/drawing/2014/main" id="{29D92D1F-3476-4A85-B996-C2A65A2D422E}"/>
+              </a:ext>
+            </a:extLst>
+          </p:cNvPr>
+          <p:cNvSpPr>
+            <a:spLocks noGrp="1"/>
+          </p:cNvSpPr>
+          <p:nvPr>
+            <p:ph type="ftr" sz="quarter" idx="11"/>
+          </p:nvPr>
+        </p:nvSpPr>
+        <p:spPr/>
+        <p:txBody>
+          <a:bodyPr/>
+          <a:lstStyle/>
+          <a:p>
+            <a:r>
+              <a:rPr lang="fr-FR"/>
+              <a:t>SD2231 - Applied vehicle dynamics control</a:t>
+            </a:r>
+            <a:endParaRPr lang="en-GB" dirty="0"/>
+          </a:p>
+        </p:txBody>
+      </p:sp>
+      <p:sp>
+        <p:nvSpPr>
+          <p:cNvPr id="5" name="Title 4">
+            <a:extLst>
+              <a:ext uri="{FF2B5EF4-FFF2-40B4-BE49-F238E27FC236}">
+                <a16:creationId xmlns:a16="http://schemas.microsoft.com/office/drawing/2014/main" id="{E64E0352-AFE8-4E00-A05F-E1A742F31A82}"/>
+              </a:ext>
+            </a:extLst>
+          </p:cNvPr>
+          <p:cNvSpPr>
+            <a:spLocks noGrp="1"/>
+          </p:cNvSpPr>
+          <p:nvPr>
+            <p:ph type="title"/>
+          </p:nvPr>
+        </p:nvSpPr>
+        <p:spPr>
+          <a:xfrm>
+            <a:off x="1236611" y="257883"/>
+            <a:ext cx="6935788" cy="668338"/>
+          </a:xfrm>
+        </p:spPr>
+        <p:txBody>
+          <a:bodyPr/>
+          <a:lstStyle/>
+          <a:p>
+            <a:pPr algn="ctr"/>
+            <a:r>
+              <a:rPr lang="en-US" dirty="0"/>
+              <a:t>Iterative Tuning of Controllers</a:t>
+            </a:r>
+          </a:p>
+        </p:txBody>
+      </p:sp>
+      <p:pic>
+        <p:nvPicPr>
+          <p:cNvPr id="12" name="Content Placeholder 11">
+            <a:extLst>
+              <a:ext uri="{FF2B5EF4-FFF2-40B4-BE49-F238E27FC236}">
+                <a16:creationId xmlns:a16="http://schemas.microsoft.com/office/drawing/2014/main" id="{2316866C-CB64-41CD-8755-360312644171}"/>
+              </a:ext>
+            </a:extLst>
+          </p:cNvPr>
+          <p:cNvPicPr>
+            <a:picLocks noGrp="1" noChangeAspect="1"/>
+          </p:cNvPicPr>
+          <p:nvPr>
+            <p:ph idx="1"/>
+          </p:nvPr>
+        </p:nvPicPr>
+        <p:blipFill rotWithShape="1">
+          <a:blip r:embed="rId2">
+            <a:extLst>
+              <a:ext uri="{28A0092B-C50C-407E-A947-70E740481C1C}">
+                <a14:useLocalDpi xmlns:a14="http://schemas.microsoft.com/office/drawing/2010/main" val="0"/>
+              </a:ext>
+            </a:extLst>
+          </a:blip>
+          <a:srcRect l="4693" t="6586" r="7255"/>
+          <a:stretch/>
+        </p:blipFill>
+        <p:spPr>
+          <a:xfrm>
+            <a:off x="1426527" y="926221"/>
+            <a:ext cx="6290945" cy="5005557"/>
+          </a:xfrm>
+        </p:spPr>
+      </p:pic>
+    </p:spTree>
+    <p:extLst>
+      <p:ext uri="{BB962C8B-B14F-4D97-AF65-F5344CB8AC3E}">
+        <p14:creationId xmlns:p14="http://schemas.microsoft.com/office/powerpoint/2010/main" val="1530036927"/>
+      </p:ext>
+    </p:extLst>
+  </p:cSld>
+  <p:clrMapOvr>
+    <a:masterClrMapping/>
+  </p:clrMapOvr>
+</p:sld>
+</file>
+
+<file path=ppt/slides/slide8.xml><?xml version="1.0" encoding="utf-8"?>
+<p:sld xmlns:a="http://schemas.openxmlformats.org/drawingml/2006/main" xmlns:r="http://schemas.openxmlformats.org/officeDocument/2006/relationships" xmlns:p="http://schemas.openxmlformats.org/presentationml/2006/main">
+  <p:cSld>
+    <p:spTree>
+      <p:nvGrpSpPr>
+        <p:cNvPr id="1" name=""/>
+        <p:cNvGrpSpPr/>
+        <p:nvPr/>
+      </p:nvGrpSpPr>
+      <p:grpSpPr>
+        <a:xfrm>
+          <a:off x="0" y="0"/>
+          <a:ext cx="0" cy="0"/>
+          <a:chOff x="0" y="0"/>
+          <a:chExt cx="0" cy="0"/>
+        </a:xfrm>
+      </p:grpSpPr>
+      <p:sp>
+        <p:nvSpPr>
+          <p:cNvPr id="2" name="Date Placeholder 1">
+            <a:extLst>
+              <a:ext uri="{FF2B5EF4-FFF2-40B4-BE49-F238E27FC236}">
+                <a16:creationId xmlns:a16="http://schemas.microsoft.com/office/drawing/2014/main" id="{D2C20B13-24C3-4A00-9DA6-53D289546AD3}"/>
+              </a:ext>
+            </a:extLst>
+          </p:cNvPr>
+          <p:cNvSpPr>
+            <a:spLocks noGrp="1"/>
+          </p:cNvSpPr>
+          <p:nvPr>
+            <p:ph type="dt" sz="half" idx="10"/>
+          </p:nvPr>
+        </p:nvSpPr>
+        <p:spPr/>
+        <p:txBody>
+          <a:bodyPr/>
+          <a:lstStyle/>
+          <a:p>
+            <a:fld id="{0E812A91-4582-B444-871F-72F1C2FA284F}" type="datetime1">
+              <a:rPr lang="sv-SE" smtClean="0"/>
+              <a:t>2018-04-12</a:t>
+            </a:fld>
+            <a:endParaRPr lang="sv-SE"/>
+          </a:p>
+        </p:txBody>
+      </p:sp>
+      <p:sp>
+        <p:nvSpPr>
+          <p:cNvPr id="3" name="Slide Number Placeholder 2">
+            <a:extLst>
+              <a:ext uri="{FF2B5EF4-FFF2-40B4-BE49-F238E27FC236}">
+                <a16:creationId xmlns:a16="http://schemas.microsoft.com/office/drawing/2014/main" id="{3F32D6B5-FE1B-4CDD-905C-C81463CEF53C}"/>
+              </a:ext>
+            </a:extLst>
+          </p:cNvPr>
+          <p:cNvSpPr>
+            <a:spLocks noGrp="1"/>
+          </p:cNvSpPr>
+          <p:nvPr>
+            <p:ph type="sldNum" sz="quarter" idx="12"/>
+          </p:nvPr>
+        </p:nvSpPr>
+        <p:spPr/>
+        <p:txBody>
+          <a:bodyPr/>
+          <a:lstStyle/>
+          <a:p>
+            <a:fld id="{680D72F4-1C41-4187-A4BC-492CF086CF40}" type="slidenum">
+              <a:rPr lang="en-GB" smtClean="0"/>
+              <a:pPr/>
+              <a:t>8</a:t>
+            </a:fld>
+            <a:endParaRPr lang="en-GB"/>
+          </a:p>
+        </p:txBody>
+      </p:sp>
+      <p:sp>
+        <p:nvSpPr>
+          <p:cNvPr id="4" name="Footer Placeholder 3">
+            <a:extLst>
+              <a:ext uri="{FF2B5EF4-FFF2-40B4-BE49-F238E27FC236}">
+                <a16:creationId xmlns:a16="http://schemas.microsoft.com/office/drawing/2014/main" id="{3D2115DA-09AB-420D-834E-7C6BAE3E9B2C}"/>
+              </a:ext>
+            </a:extLst>
+          </p:cNvPr>
+          <p:cNvSpPr>
+            <a:spLocks noGrp="1"/>
+          </p:cNvSpPr>
+          <p:nvPr>
+            <p:ph type="ftr" sz="quarter" idx="11"/>
+          </p:nvPr>
+        </p:nvSpPr>
+        <p:spPr/>
+        <p:txBody>
+          <a:bodyPr/>
+          <a:lstStyle/>
+          <a:p>
+            <a:r>
+              <a:rPr lang="fr-FR"/>
+              <a:t>SD2231 - Applied vehicle dynamics control</a:t>
+            </a:r>
+            <a:endParaRPr lang="en-GB" dirty="0"/>
+          </a:p>
+        </p:txBody>
+      </p:sp>
+      <p:sp>
+        <p:nvSpPr>
+          <p:cNvPr id="5" name="Title 4">
+            <a:extLst>
+              <a:ext uri="{FF2B5EF4-FFF2-40B4-BE49-F238E27FC236}">
+                <a16:creationId xmlns:a16="http://schemas.microsoft.com/office/drawing/2014/main" id="{DA3EBC61-C6CB-42CF-93DA-CD3305297E4A}"/>
+              </a:ext>
+            </a:extLst>
+          </p:cNvPr>
+          <p:cNvSpPr>
+            <a:spLocks noGrp="1"/>
+          </p:cNvSpPr>
+          <p:nvPr>
+            <p:ph type="title"/>
+          </p:nvPr>
+        </p:nvSpPr>
+        <p:spPr/>
+        <p:txBody>
+          <a:bodyPr/>
+          <a:lstStyle/>
+          <a:p>
+            <a:pPr algn="ctr"/>
+            <a:r>
+              <a:rPr lang="en-US" dirty="0"/>
+              <a:t>Deciding reference Mu values</a:t>
+            </a:r>
+          </a:p>
+        </p:txBody>
+      </p:sp>
+      <p:pic>
+        <p:nvPicPr>
+          <p:cNvPr id="8" name="Content Placeholder 7">
+            <a:extLst>
+              <a:ext uri="{FF2B5EF4-FFF2-40B4-BE49-F238E27FC236}">
+                <a16:creationId xmlns:a16="http://schemas.microsoft.com/office/drawing/2014/main" id="{A84A943E-1BFE-4391-96C1-2EB058C3B9AD}"/>
+              </a:ext>
+            </a:extLst>
+          </p:cNvPr>
+          <p:cNvPicPr>
+            <a:picLocks noGrp="1" noChangeAspect="1"/>
+          </p:cNvPicPr>
+          <p:nvPr>
+            <p:ph idx="1"/>
+          </p:nvPr>
+        </p:nvPicPr>
+        <p:blipFill>
+          <a:blip r:embed="rId2">
+            <a:extLst>
+              <a:ext uri="{28A0092B-C50C-407E-A947-70E740481C1C}">
+                <a14:useLocalDpi xmlns:a14="http://schemas.microsoft.com/office/drawing/2010/main" val="0"/>
+              </a:ext>
+            </a:extLst>
+          </a:blip>
+          <a:stretch>
+            <a:fillRect/>
+          </a:stretch>
+        </p:blipFill>
+        <p:spPr>
+          <a:xfrm>
+            <a:off x="2126986" y="1220788"/>
+            <a:ext cx="5920316" cy="4440237"/>
+          </a:xfrm>
+        </p:spPr>
+      </p:pic>
+    </p:spTree>
+    <p:extLst>
+      <p:ext uri="{BB962C8B-B14F-4D97-AF65-F5344CB8AC3E}">
+        <p14:creationId xmlns:p14="http://schemas.microsoft.com/office/powerpoint/2010/main" val="3637088018"/>
+      </p:ext>
+    </p:extLst>
+  </p:cSld>
+  <p:clrMapOvr>
+    <a:masterClrMapping/>
+  </p:clrMapOvr>
+</p:sld>
+</file>
+
+<file path=ppt/slides/slide9.xml><?xml version="1.0" encoding="utf-8"?>
+<p:sld xmlns:a="http://schemas.openxmlformats.org/drawingml/2006/main" xmlns:r="http://schemas.openxmlformats.org/officeDocument/2006/relationships" xmlns:p="http://schemas.openxmlformats.org/presentationml/2006/main">
+  <p:cSld>
+    <p:spTree>
+      <p:nvGrpSpPr>
+        <p:cNvPr id="1" name=""/>
+        <p:cNvGrpSpPr/>
+        <p:nvPr/>
+      </p:nvGrpSpPr>
+      <p:grpSpPr>
+        <a:xfrm>
+          <a:off x="0" y="0"/>
+          <a:ext cx="0" cy="0"/>
+          <a:chOff x="0" y="0"/>
+          <a:chExt cx="0" cy="0"/>
+        </a:xfrm>
+      </p:grpSpPr>
+      <p:sp>
+        <p:nvSpPr>
           <p:cNvPr id="2" name="Date Placeholder 1"/>
           <p:cNvSpPr>
             <a:spLocks noGrp="1"/>
@@ -19595,7 +21561,7 @@
             <a:fld id="{680D72F4-1C41-4187-A4BC-492CF086CF40}" type="slidenum">
               <a:rPr lang="en-GB" smtClean="0"/>
               <a:pPr/>
-              <a:t>6</a:t>
+              <a:t>9</a:t>
             </a:fld>
             <a:endParaRPr lang="en-GB"/>
           </a:p>
@@ -19658,13 +21624,13 @@
         </p:nvSpPr>
         <p:spPr>
           <a:xfrm>
-            <a:off x="1619250" y="1220307"/>
+            <a:off x="909480" y="1082240"/>
             <a:ext cx="7325040" cy="4693519"/>
           </a:xfrm>
         </p:spPr>
         <p:txBody>
           <a:bodyPr>
-            <a:normAutofit lnSpcReduction="10000"/>
+            <a:normAutofit/>
           </a:bodyPr>
           <a:lstStyle/>
           <a:p>
@@ -19704,7 +21670,7 @@
             </a:pPr>
             <a:r>
               <a:rPr lang="en-US" dirty="0"/>
-              <a:t>Arriving at single gain values for P, PD, PI and PID for all surfaces at the same time in the road vehicle was a very tedious job. Specially for TCS because the controller that gave the best control characteristics usually gave worse times than the uncontrolled case due to the transient phase at launch.</a:t>
+              <a:t>Arriving at single gain values for P, PD, PI and PID for all surfaces at the same time in the road vehicle was a very tedious job. </a:t>
             </a:r>
           </a:p>
           <a:p>
@@ -19714,7 +21680,7 @@
             </a:pPr>
             <a:r>
               <a:rPr lang="en-US" dirty="0"/>
-              <a:t>Quantifying ‘instability’ in Task 2c. Which slip is considered too much?</a:t>
+              <a:t>Quantifying ‘instability’ in Task 2c for Rail vehicles. Which slip is considered too much? </a:t>
             </a:r>
           </a:p>
         </p:txBody>
@@ -19723,891 +21689,6 @@
     <p:extLst>
       <p:ext uri="{BB962C8B-B14F-4D97-AF65-F5344CB8AC3E}">
         <p14:creationId xmlns:p14="http://schemas.microsoft.com/office/powerpoint/2010/main" val="348966874"/>
-      </p:ext>
-    </p:extLst>
-  </p:cSld>
-  <p:clrMapOvr>
-    <a:masterClrMapping/>
-  </p:clrMapOvr>
-</p:sld>
-</file>
-
-<file path=ppt/slides/slide7.xml><?xml version="1.0" encoding="utf-8"?>
-<p:sld xmlns:a="http://schemas.openxmlformats.org/drawingml/2006/main" xmlns:r="http://schemas.openxmlformats.org/officeDocument/2006/relationships" xmlns:p="http://schemas.openxmlformats.org/presentationml/2006/main">
-  <p:cSld>
-    <p:spTree>
-      <p:nvGrpSpPr>
-        <p:cNvPr id="1" name=""/>
-        <p:cNvGrpSpPr/>
-        <p:nvPr/>
-      </p:nvGrpSpPr>
-      <p:grpSpPr>
-        <a:xfrm>
-          <a:off x="0" y="0"/>
-          <a:ext cx="0" cy="0"/>
-          <a:chOff x="0" y="0"/>
-          <a:chExt cx="0" cy="0"/>
-        </a:xfrm>
-      </p:grpSpPr>
-      <p:sp>
-        <p:nvSpPr>
-          <p:cNvPr id="2" name="Title 1">
-            <a:extLst>
-              <a:ext uri="{FF2B5EF4-FFF2-40B4-BE49-F238E27FC236}">
-                <a16:creationId xmlns:a16="http://schemas.microsoft.com/office/drawing/2014/main" id="{D3FDD81E-884E-47D6-8975-399D591BFE36}"/>
-              </a:ext>
-            </a:extLst>
-          </p:cNvPr>
-          <p:cNvSpPr>
-            <a:spLocks noGrp="1"/>
-          </p:cNvSpPr>
-          <p:nvPr>
-            <p:ph type="ctrTitle"/>
-          </p:nvPr>
-        </p:nvSpPr>
-        <p:spPr>
-          <a:xfrm>
-            <a:off x="1703267" y="2158708"/>
-            <a:ext cx="6984337" cy="1043684"/>
-          </a:xfrm>
-        </p:spPr>
-        <p:txBody>
-          <a:bodyPr/>
-          <a:lstStyle/>
-          <a:p>
-            <a:r>
-              <a:rPr lang="en-US" dirty="0"/>
-              <a:t>Our Final Results</a:t>
-            </a:r>
-          </a:p>
-        </p:txBody>
-      </p:sp>
-    </p:spTree>
-    <p:extLst>
-      <p:ext uri="{BB962C8B-B14F-4D97-AF65-F5344CB8AC3E}">
-        <p14:creationId xmlns:p14="http://schemas.microsoft.com/office/powerpoint/2010/main" val="2009042921"/>
-      </p:ext>
-    </p:extLst>
-  </p:cSld>
-  <p:clrMapOvr>
-    <a:masterClrMapping/>
-  </p:clrMapOvr>
-</p:sld>
-</file>
-
-<file path=ppt/slides/slide8.xml><?xml version="1.0" encoding="utf-8"?>
-<p:sld xmlns:a="http://schemas.openxmlformats.org/drawingml/2006/main" xmlns:r="http://schemas.openxmlformats.org/officeDocument/2006/relationships" xmlns:p="http://schemas.openxmlformats.org/presentationml/2006/main">
-  <p:cSld>
-    <p:spTree>
-      <p:nvGrpSpPr>
-        <p:cNvPr id="1" name=""/>
-        <p:cNvGrpSpPr/>
-        <p:nvPr/>
-      </p:nvGrpSpPr>
-      <p:grpSpPr>
-        <a:xfrm>
-          <a:off x="0" y="0"/>
-          <a:ext cx="0" cy="0"/>
-          <a:chOff x="0" y="0"/>
-          <a:chExt cx="0" cy="0"/>
-        </a:xfrm>
-      </p:grpSpPr>
-      <p:sp>
-        <p:nvSpPr>
-          <p:cNvPr id="2" name="Date Placeholder 1"/>
-          <p:cNvSpPr>
-            <a:spLocks noGrp="1"/>
-          </p:cNvSpPr>
-          <p:nvPr>
-            <p:ph type="dt" sz="half" idx="10"/>
-          </p:nvPr>
-        </p:nvSpPr>
-        <p:spPr/>
-        <p:txBody>
-          <a:bodyPr/>
-          <a:lstStyle/>
-          <a:p>
-            <a:fld id="{0E812A91-4582-B444-871F-72F1C2FA284F}" type="datetime1">
-              <a:rPr lang="sv-SE" smtClean="0"/>
-              <a:t>2018-04-12</a:t>
-            </a:fld>
-            <a:endParaRPr lang="sv-SE"/>
-          </a:p>
-        </p:txBody>
-      </p:sp>
-      <p:sp>
-        <p:nvSpPr>
-          <p:cNvPr id="3" name="Slide Number Placeholder 2"/>
-          <p:cNvSpPr>
-            <a:spLocks noGrp="1"/>
-          </p:cNvSpPr>
-          <p:nvPr>
-            <p:ph type="sldNum" sz="quarter" idx="12"/>
-          </p:nvPr>
-        </p:nvSpPr>
-        <p:spPr/>
-        <p:txBody>
-          <a:bodyPr/>
-          <a:lstStyle/>
-          <a:p>
-            <a:fld id="{680D72F4-1C41-4187-A4BC-492CF086CF40}" type="slidenum">
-              <a:rPr lang="en-GB" smtClean="0"/>
-              <a:pPr/>
-              <a:t>8</a:t>
-            </a:fld>
-            <a:endParaRPr lang="en-GB"/>
-          </a:p>
-        </p:txBody>
-      </p:sp>
-      <p:sp>
-        <p:nvSpPr>
-          <p:cNvPr id="4" name="Footer Placeholder 3"/>
-          <p:cNvSpPr>
-            <a:spLocks noGrp="1"/>
-          </p:cNvSpPr>
-          <p:nvPr>
-            <p:ph type="ftr" sz="quarter" idx="11"/>
-          </p:nvPr>
-        </p:nvSpPr>
-        <p:spPr/>
-        <p:txBody>
-          <a:bodyPr/>
-          <a:lstStyle/>
-          <a:p>
-            <a:r>
-              <a:rPr lang="fr-FR"/>
-              <a:t>SD2231 - Applied vehicle dynamics control</a:t>
-            </a:r>
-            <a:endParaRPr lang="en-GB" dirty="0"/>
-          </a:p>
-        </p:txBody>
-      </p:sp>
-      <p:sp>
-        <p:nvSpPr>
-          <p:cNvPr id="5" name="Title 4"/>
-          <p:cNvSpPr>
-            <a:spLocks noGrp="1"/>
-          </p:cNvSpPr>
-          <p:nvPr>
-            <p:ph type="title"/>
-          </p:nvPr>
-        </p:nvSpPr>
-        <p:spPr>
-          <a:xfrm>
-            <a:off x="777924" y="174607"/>
-            <a:ext cx="6935788" cy="668338"/>
-          </a:xfrm>
-        </p:spPr>
-        <p:txBody>
-          <a:bodyPr/>
-          <a:lstStyle/>
-          <a:p>
-            <a:pPr algn="ctr"/>
-            <a:r>
-              <a:rPr lang="en-US" dirty="0"/>
-              <a:t>Road Traction Control System</a:t>
-            </a:r>
-          </a:p>
-        </p:txBody>
-      </p:sp>
-      <p:sp>
-        <p:nvSpPr>
-          <p:cNvPr id="6" name="Content Placeholder 5"/>
-          <p:cNvSpPr>
-            <a:spLocks noGrp="1"/>
-          </p:cNvSpPr>
-          <p:nvPr>
-            <p:ph idx="1"/>
-          </p:nvPr>
-        </p:nvSpPr>
-        <p:spPr>
-          <a:xfrm>
-            <a:off x="583298" y="944174"/>
-            <a:ext cx="7325040" cy="4693519"/>
-          </a:xfrm>
-        </p:spPr>
-        <p:txBody>
-          <a:bodyPr>
-            <a:normAutofit/>
-          </a:bodyPr>
-          <a:lstStyle/>
-          <a:p>
-            <a:pPr marL="698500" lvl="1" indent="-342900">
-              <a:buFont typeface="Arial"/>
-              <a:buChar char="•"/>
-            </a:pPr>
-            <a:endParaRPr lang="en-US" dirty="0"/>
-          </a:p>
-          <a:p>
-            <a:endParaRPr lang="en-US" dirty="0"/>
-          </a:p>
-        </p:txBody>
-      </p:sp>
-      <p:pic>
-        <p:nvPicPr>
-          <p:cNvPr id="8" name="Picture 7">
-            <a:extLst>
-              <a:ext uri="{FF2B5EF4-FFF2-40B4-BE49-F238E27FC236}">
-                <a16:creationId xmlns:a16="http://schemas.microsoft.com/office/drawing/2014/main" id="{CA7A83AB-AD62-4125-9527-146A69A4C37F}"/>
-              </a:ext>
-            </a:extLst>
-          </p:cNvPr>
-          <p:cNvPicPr>
-            <a:picLocks noChangeAspect="1"/>
-          </p:cNvPicPr>
-          <p:nvPr/>
-        </p:nvPicPr>
-        <p:blipFill rotWithShape="1">
-          <a:blip r:embed="rId2">
-            <a:extLst>
-              <a:ext uri="{28A0092B-C50C-407E-A947-70E740481C1C}">
-                <a14:useLocalDpi xmlns:a14="http://schemas.microsoft.com/office/drawing/2010/main" val="0"/>
-              </a:ext>
-            </a:extLst>
-          </a:blip>
-          <a:srcRect l="4991" t="2031" r="7784" b="-1"/>
-          <a:stretch/>
-        </p:blipFill>
-        <p:spPr>
-          <a:xfrm>
-            <a:off x="1590940" y="1269276"/>
-            <a:ext cx="5309755" cy="4469646"/>
-          </a:xfrm>
-          <a:prstGeom prst="rect">
-            <a:avLst/>
-          </a:prstGeom>
-        </p:spPr>
-      </p:pic>
-    </p:spTree>
-    <p:extLst>
-      <p:ext uri="{BB962C8B-B14F-4D97-AF65-F5344CB8AC3E}">
-        <p14:creationId xmlns:p14="http://schemas.microsoft.com/office/powerpoint/2010/main" val="1232334604"/>
-      </p:ext>
-    </p:extLst>
-  </p:cSld>
-  <p:clrMapOvr>
-    <a:masterClrMapping/>
-  </p:clrMapOvr>
-</p:sld>
-</file>
-
-<file path=ppt/slides/slide9.xml><?xml version="1.0" encoding="utf-8"?>
-<p:sld xmlns:a="http://schemas.openxmlformats.org/drawingml/2006/main" xmlns:r="http://schemas.openxmlformats.org/officeDocument/2006/relationships" xmlns:p="http://schemas.openxmlformats.org/presentationml/2006/main">
-  <p:cSld>
-    <p:spTree>
-      <p:nvGrpSpPr>
-        <p:cNvPr id="1" name=""/>
-        <p:cNvGrpSpPr/>
-        <p:nvPr/>
-      </p:nvGrpSpPr>
-      <p:grpSpPr>
-        <a:xfrm>
-          <a:off x="0" y="0"/>
-          <a:ext cx="0" cy="0"/>
-          <a:chOff x="0" y="0"/>
-          <a:chExt cx="0" cy="0"/>
-        </a:xfrm>
-      </p:grpSpPr>
-      <p:sp>
-        <p:nvSpPr>
-          <p:cNvPr id="2" name="Date Placeholder 1">
-            <a:extLst>
-              <a:ext uri="{FF2B5EF4-FFF2-40B4-BE49-F238E27FC236}">
-                <a16:creationId xmlns:a16="http://schemas.microsoft.com/office/drawing/2014/main" id="{3C7A208B-BFE0-4A2F-946B-789B100BD59B}"/>
-              </a:ext>
-            </a:extLst>
-          </p:cNvPr>
-          <p:cNvSpPr>
-            <a:spLocks noGrp="1"/>
-          </p:cNvSpPr>
-          <p:nvPr>
-            <p:ph type="dt" sz="half" idx="10"/>
-          </p:nvPr>
-        </p:nvSpPr>
-        <p:spPr/>
-        <p:txBody>
-          <a:bodyPr/>
-          <a:lstStyle/>
-          <a:p>
-            <a:fld id="{0E812A91-4582-B444-871F-72F1C2FA284F}" type="datetime1">
-              <a:rPr lang="sv-SE" smtClean="0"/>
-              <a:t>2018-04-12</a:t>
-            </a:fld>
-            <a:endParaRPr lang="sv-SE"/>
-          </a:p>
-        </p:txBody>
-      </p:sp>
-      <p:sp>
-        <p:nvSpPr>
-          <p:cNvPr id="3" name="Slide Number Placeholder 2">
-            <a:extLst>
-              <a:ext uri="{FF2B5EF4-FFF2-40B4-BE49-F238E27FC236}">
-                <a16:creationId xmlns:a16="http://schemas.microsoft.com/office/drawing/2014/main" id="{2CF14A77-08F9-4A86-9A80-AE0EDD4E8CFF}"/>
-              </a:ext>
-            </a:extLst>
-          </p:cNvPr>
-          <p:cNvSpPr>
-            <a:spLocks noGrp="1"/>
-          </p:cNvSpPr>
-          <p:nvPr>
-            <p:ph type="sldNum" sz="quarter" idx="12"/>
-          </p:nvPr>
-        </p:nvSpPr>
-        <p:spPr/>
-        <p:txBody>
-          <a:bodyPr/>
-          <a:lstStyle/>
-          <a:p>
-            <a:fld id="{680D72F4-1C41-4187-A4BC-492CF086CF40}" type="slidenum">
-              <a:rPr lang="en-GB" smtClean="0"/>
-              <a:pPr/>
-              <a:t>9</a:t>
-            </a:fld>
-            <a:endParaRPr lang="en-GB"/>
-          </a:p>
-        </p:txBody>
-      </p:sp>
-      <p:sp>
-        <p:nvSpPr>
-          <p:cNvPr id="4" name="Footer Placeholder 3">
-            <a:extLst>
-              <a:ext uri="{FF2B5EF4-FFF2-40B4-BE49-F238E27FC236}">
-                <a16:creationId xmlns:a16="http://schemas.microsoft.com/office/drawing/2014/main" id="{F39FC6CB-E435-41B4-A239-FA7FE31DA63A}"/>
-              </a:ext>
-            </a:extLst>
-          </p:cNvPr>
-          <p:cNvSpPr>
-            <a:spLocks noGrp="1"/>
-          </p:cNvSpPr>
-          <p:nvPr>
-            <p:ph type="ftr" sz="quarter" idx="11"/>
-          </p:nvPr>
-        </p:nvSpPr>
-        <p:spPr/>
-        <p:txBody>
-          <a:bodyPr/>
-          <a:lstStyle/>
-          <a:p>
-            <a:r>
-              <a:rPr lang="fr-FR"/>
-              <a:t>SD2231 - Applied vehicle dynamics control</a:t>
-            </a:r>
-            <a:endParaRPr lang="en-GB" dirty="0"/>
-          </a:p>
-        </p:txBody>
-      </p:sp>
-      <p:sp>
-        <p:nvSpPr>
-          <p:cNvPr id="5" name="Title 4">
-            <a:extLst>
-              <a:ext uri="{FF2B5EF4-FFF2-40B4-BE49-F238E27FC236}">
-                <a16:creationId xmlns:a16="http://schemas.microsoft.com/office/drawing/2014/main" id="{14253C37-0510-436B-B63E-0AF0E4661C7B}"/>
-              </a:ext>
-            </a:extLst>
-          </p:cNvPr>
-          <p:cNvSpPr>
-            <a:spLocks noGrp="1"/>
-          </p:cNvSpPr>
-          <p:nvPr>
-            <p:ph type="title"/>
-          </p:nvPr>
-        </p:nvSpPr>
-        <p:spPr>
-          <a:xfrm>
-            <a:off x="1104106" y="359248"/>
-            <a:ext cx="6935788" cy="668338"/>
-          </a:xfrm>
-        </p:spPr>
-        <p:txBody>
-          <a:bodyPr/>
-          <a:lstStyle/>
-          <a:p>
-            <a:pPr algn="ctr"/>
-            <a:r>
-              <a:rPr lang="en-US" dirty="0"/>
-              <a:t>Road Vehicle: TCS acceleration times (in seconds)</a:t>
-            </a:r>
-          </a:p>
-        </p:txBody>
-      </p:sp>
-      <p:graphicFrame>
-        <p:nvGraphicFramePr>
-          <p:cNvPr id="7" name="Content Placeholder 6">
-            <a:extLst>
-              <a:ext uri="{FF2B5EF4-FFF2-40B4-BE49-F238E27FC236}">
-                <a16:creationId xmlns:a16="http://schemas.microsoft.com/office/drawing/2014/main" id="{BFF5828E-AFC4-4E5C-95E8-5BC403D6D5BE}"/>
-              </a:ext>
-            </a:extLst>
-          </p:cNvPr>
-          <p:cNvGraphicFramePr>
-            <a:graphicFrameLocks noGrp="1"/>
-          </p:cNvGraphicFramePr>
-          <p:nvPr>
-            <p:ph idx="1"/>
-            <p:extLst>
-              <p:ext uri="{D42A27DB-BD31-4B8C-83A1-F6EECF244321}">
-                <p14:modId xmlns:p14="http://schemas.microsoft.com/office/powerpoint/2010/main" val="4240171581"/>
-              </p:ext>
-            </p:extLst>
-          </p:nvPr>
-        </p:nvGraphicFramePr>
-        <p:xfrm>
-          <a:off x="1104106" y="1476110"/>
-          <a:ext cx="6935788" cy="2250468"/>
-        </p:xfrm>
-        <a:graphic>
-          <a:graphicData uri="http://schemas.openxmlformats.org/drawingml/2006/table">
-            <a:tbl>
-              <a:tblPr firstRow="1" bandRow="1">
-                <a:tableStyleId>{5C22544A-7EE6-4342-B048-85BDC9FD1C3A}</a:tableStyleId>
-              </a:tblPr>
-              <a:tblGrid>
-                <a:gridCol w="1733947">
-                  <a:extLst>
-                    <a:ext uri="{9D8B030D-6E8A-4147-A177-3AD203B41FA5}">
-                      <a16:colId xmlns:a16="http://schemas.microsoft.com/office/drawing/2014/main" val="2168022062"/>
-                    </a:ext>
-                  </a:extLst>
-                </a:gridCol>
-                <a:gridCol w="1733947">
-                  <a:extLst>
-                    <a:ext uri="{9D8B030D-6E8A-4147-A177-3AD203B41FA5}">
-                      <a16:colId xmlns:a16="http://schemas.microsoft.com/office/drawing/2014/main" val="1273176979"/>
-                    </a:ext>
-                  </a:extLst>
-                </a:gridCol>
-                <a:gridCol w="1733947">
-                  <a:extLst>
-                    <a:ext uri="{9D8B030D-6E8A-4147-A177-3AD203B41FA5}">
-                      <a16:colId xmlns:a16="http://schemas.microsoft.com/office/drawing/2014/main" val="1597372334"/>
-                    </a:ext>
-                  </a:extLst>
-                </a:gridCol>
-                <a:gridCol w="1733947">
-                  <a:extLst>
-                    <a:ext uri="{9D8B030D-6E8A-4147-A177-3AD203B41FA5}">
-                      <a16:colId xmlns:a16="http://schemas.microsoft.com/office/drawing/2014/main" val="1479511040"/>
-                    </a:ext>
-                  </a:extLst>
-                </a:gridCol>
-              </a:tblGrid>
-              <a:tr h="370840">
-                <a:tc>
-                  <a:txBody>
-                    <a:bodyPr/>
-                    <a:lstStyle/>
-                    <a:p>
-                      <a:r>
-                        <a:rPr lang="en-US" dirty="0"/>
-                        <a:t>Controller</a:t>
-                      </a:r>
-                    </a:p>
-                  </a:txBody>
-                  <a:tcPr/>
-                </a:tc>
-                <a:tc>
-                  <a:txBody>
-                    <a:bodyPr/>
-                    <a:lstStyle/>
-                    <a:p>
-                      <a:r>
-                        <a:rPr lang="en-US" dirty="0"/>
-                        <a:t>Dry</a:t>
-                      </a:r>
-                    </a:p>
-                  </a:txBody>
-                  <a:tcPr/>
-                </a:tc>
-                <a:tc>
-                  <a:txBody>
-                    <a:bodyPr/>
-                    <a:lstStyle/>
-                    <a:p>
-                      <a:r>
-                        <a:rPr lang="en-US" dirty="0"/>
-                        <a:t>Wet</a:t>
-                      </a:r>
-                    </a:p>
-                  </a:txBody>
-                  <a:tcPr/>
-                </a:tc>
-                <a:tc>
-                  <a:txBody>
-                    <a:bodyPr/>
-                    <a:lstStyle/>
-                    <a:p>
-                      <a:r>
-                        <a:rPr lang="en-US" dirty="0"/>
-                        <a:t>Ice</a:t>
-                      </a:r>
-                    </a:p>
-                  </a:txBody>
-                  <a:tcPr/>
-                </a:tc>
-                <a:extLst>
-                  <a:ext uri="{0D108BD9-81ED-4DB2-BD59-A6C34878D82A}">
-                    <a16:rowId xmlns:a16="http://schemas.microsoft.com/office/drawing/2014/main" val="1223205004"/>
-                  </a:ext>
-                </a:extLst>
-              </a:tr>
-              <a:tr h="370840">
-                <a:tc>
-                  <a:txBody>
-                    <a:bodyPr/>
-                    <a:lstStyle/>
-                    <a:p>
-                      <a:r>
-                        <a:rPr lang="en-US" dirty="0"/>
-                        <a:t>Uncontrolled</a:t>
-                      </a:r>
-                    </a:p>
-                  </a:txBody>
-                  <a:tcPr/>
-                </a:tc>
-                <a:tc>
-                  <a:txBody>
-                    <a:bodyPr/>
-                    <a:lstStyle/>
-                    <a:p>
-                      <a:r>
-                        <a:rPr lang="en-US" dirty="0"/>
-                        <a:t>3.73 s</a:t>
-                      </a:r>
-                    </a:p>
-                  </a:txBody>
-                  <a:tcPr/>
-                </a:tc>
-                <a:tc>
-                  <a:txBody>
-                    <a:bodyPr/>
-                    <a:lstStyle/>
-                    <a:p>
-                      <a:r>
-                        <a:rPr lang="en-US" dirty="0">
-                          <a:solidFill>
-                            <a:srgbClr val="00B050"/>
-                          </a:solidFill>
-                        </a:rPr>
-                        <a:t>3.74 s</a:t>
-                      </a:r>
-                    </a:p>
-                  </a:txBody>
-                  <a:tcPr/>
-                </a:tc>
-                <a:tc>
-                  <a:txBody>
-                    <a:bodyPr/>
-                    <a:lstStyle/>
-                    <a:p>
-                      <a:r>
-                        <a:rPr lang="en-US" dirty="0">
-                          <a:solidFill>
-                            <a:srgbClr val="00B050"/>
-                          </a:solidFill>
-                        </a:rPr>
-                        <a:t>8.56 s </a:t>
-                      </a:r>
-                    </a:p>
-                  </a:txBody>
-                  <a:tcPr/>
-                </a:tc>
-                <a:extLst>
-                  <a:ext uri="{0D108BD9-81ED-4DB2-BD59-A6C34878D82A}">
-                    <a16:rowId xmlns:a16="http://schemas.microsoft.com/office/drawing/2014/main" val="3546324608"/>
-                  </a:ext>
-                </a:extLst>
-              </a:tr>
-              <a:tr h="396268">
-                <a:tc>
-                  <a:txBody>
-                    <a:bodyPr/>
-                    <a:lstStyle/>
-                    <a:p>
-                      <a:r>
-                        <a:rPr lang="en-US" dirty="0"/>
-                        <a:t>P</a:t>
-                      </a:r>
-                    </a:p>
-                  </a:txBody>
-                  <a:tcPr/>
-                </a:tc>
-                <a:tc>
-                  <a:txBody>
-                    <a:bodyPr/>
-                    <a:lstStyle/>
-                    <a:p>
-                      <a:r>
-                        <a:rPr lang="en-US" dirty="0"/>
-                        <a:t>2.94 s</a:t>
-                      </a:r>
-                    </a:p>
-                  </a:txBody>
-                  <a:tcPr/>
-                </a:tc>
-                <a:tc>
-                  <a:txBody>
-                    <a:bodyPr/>
-                    <a:lstStyle/>
-                    <a:p>
-                      <a:r>
-                        <a:rPr lang="en-US" dirty="0"/>
-                        <a:t>3.88 s</a:t>
-                      </a:r>
-                    </a:p>
-                  </a:txBody>
-                  <a:tcPr/>
-                </a:tc>
-                <a:tc>
-                  <a:txBody>
-                    <a:bodyPr/>
-                    <a:lstStyle/>
-                    <a:p>
-                      <a:r>
-                        <a:rPr lang="en-US" dirty="0"/>
-                        <a:t>8.81 s</a:t>
-                      </a:r>
-                    </a:p>
-                  </a:txBody>
-                  <a:tcPr/>
-                </a:tc>
-                <a:extLst>
-                  <a:ext uri="{0D108BD9-81ED-4DB2-BD59-A6C34878D82A}">
-                    <a16:rowId xmlns:a16="http://schemas.microsoft.com/office/drawing/2014/main" val="3975746168"/>
-                  </a:ext>
-                </a:extLst>
-              </a:tr>
-              <a:tr h="370840">
-                <a:tc>
-                  <a:txBody>
-                    <a:bodyPr/>
-                    <a:lstStyle/>
-                    <a:p>
-                      <a:r>
-                        <a:rPr lang="en-US" dirty="0"/>
-                        <a:t>PD</a:t>
-                      </a:r>
-                    </a:p>
-                  </a:txBody>
-                  <a:tcPr/>
-                </a:tc>
-                <a:tc>
-                  <a:txBody>
-                    <a:bodyPr/>
-                    <a:lstStyle/>
-                    <a:p>
-                      <a:r>
-                        <a:rPr lang="en-US" dirty="0"/>
-                        <a:t>2.84 s</a:t>
-                      </a:r>
-                    </a:p>
-                  </a:txBody>
-                  <a:tcPr/>
-                </a:tc>
-                <a:tc>
-                  <a:txBody>
-                    <a:bodyPr/>
-                    <a:lstStyle/>
-                    <a:p>
-                      <a:r>
-                        <a:rPr lang="en-US" dirty="0">
-                          <a:solidFill>
-                            <a:srgbClr val="FF0000"/>
-                          </a:solidFill>
-                        </a:rPr>
-                        <a:t>3.76 s</a:t>
-                      </a:r>
-                    </a:p>
-                  </a:txBody>
-                  <a:tcPr/>
-                </a:tc>
-                <a:tc>
-                  <a:txBody>
-                    <a:bodyPr/>
-                    <a:lstStyle/>
-                    <a:p>
-                      <a:r>
-                        <a:rPr lang="en-US" dirty="0">
-                          <a:solidFill>
-                            <a:srgbClr val="FF0000"/>
-                          </a:solidFill>
-                        </a:rPr>
-                        <a:t>8.60 s</a:t>
-                      </a:r>
-                    </a:p>
-                  </a:txBody>
-                  <a:tcPr/>
-                </a:tc>
-                <a:extLst>
-                  <a:ext uri="{0D108BD9-81ED-4DB2-BD59-A6C34878D82A}">
-                    <a16:rowId xmlns:a16="http://schemas.microsoft.com/office/drawing/2014/main" val="2268270964"/>
-                  </a:ext>
-                </a:extLst>
-              </a:tr>
-              <a:tr h="370840">
-                <a:tc>
-                  <a:txBody>
-                    <a:bodyPr/>
-                    <a:lstStyle/>
-                    <a:p>
-                      <a:r>
-                        <a:rPr lang="en-US" dirty="0"/>
-                        <a:t>PI</a:t>
-                      </a:r>
-                    </a:p>
-                  </a:txBody>
-                  <a:tcPr/>
-                </a:tc>
-                <a:tc>
-                  <a:txBody>
-                    <a:bodyPr/>
-                    <a:lstStyle/>
-                    <a:p>
-                      <a:r>
-                        <a:rPr lang="en-US" dirty="0"/>
-                        <a:t>2.93 s </a:t>
-                      </a:r>
-                    </a:p>
-                  </a:txBody>
-                  <a:tcPr/>
-                </a:tc>
-                <a:tc>
-                  <a:txBody>
-                    <a:bodyPr/>
-                    <a:lstStyle/>
-                    <a:p>
-                      <a:r>
-                        <a:rPr lang="en-US" dirty="0"/>
-                        <a:t>3.88 s</a:t>
-                      </a:r>
-                    </a:p>
-                  </a:txBody>
-                  <a:tcPr/>
-                </a:tc>
-                <a:tc>
-                  <a:txBody>
-                    <a:bodyPr/>
-                    <a:lstStyle/>
-                    <a:p>
-                      <a:r>
-                        <a:rPr lang="en-US" dirty="0"/>
-                        <a:t>8.77 s </a:t>
-                      </a:r>
-                    </a:p>
-                  </a:txBody>
-                  <a:tcPr/>
-                </a:tc>
-                <a:extLst>
-                  <a:ext uri="{0D108BD9-81ED-4DB2-BD59-A6C34878D82A}">
-                    <a16:rowId xmlns:a16="http://schemas.microsoft.com/office/drawing/2014/main" val="2646975746"/>
-                  </a:ext>
-                </a:extLst>
-              </a:tr>
-              <a:tr h="370840">
-                <a:tc>
-                  <a:txBody>
-                    <a:bodyPr/>
-                    <a:lstStyle/>
-                    <a:p>
-                      <a:r>
-                        <a:rPr lang="en-US" dirty="0"/>
-                        <a:t>PID</a:t>
-                      </a:r>
-                    </a:p>
-                  </a:txBody>
-                  <a:tcPr/>
-                </a:tc>
-                <a:tc>
-                  <a:txBody>
-                    <a:bodyPr/>
-                    <a:lstStyle/>
-                    <a:p>
-                      <a:r>
-                        <a:rPr lang="en-US" dirty="0">
-                          <a:solidFill>
-                            <a:srgbClr val="FF0000"/>
-                          </a:solidFill>
-                        </a:rPr>
-                        <a:t>2.82 s</a:t>
-                      </a:r>
-                    </a:p>
-                  </a:txBody>
-                  <a:tcPr/>
-                </a:tc>
-                <a:tc>
-                  <a:txBody>
-                    <a:bodyPr/>
-                    <a:lstStyle/>
-                    <a:p>
-                      <a:r>
-                        <a:rPr lang="en-US" dirty="0"/>
-                        <a:t>3.78 s</a:t>
-                      </a:r>
-                    </a:p>
-                  </a:txBody>
-                  <a:tcPr/>
-                </a:tc>
-                <a:tc>
-                  <a:txBody>
-                    <a:bodyPr/>
-                    <a:lstStyle/>
-                    <a:p>
-                      <a:r>
-                        <a:rPr lang="en-US" dirty="0"/>
-                        <a:t>8.67 s</a:t>
-                      </a:r>
-                    </a:p>
-                  </a:txBody>
-                  <a:tcPr/>
-                </a:tc>
-                <a:extLst>
-                  <a:ext uri="{0D108BD9-81ED-4DB2-BD59-A6C34878D82A}">
-                    <a16:rowId xmlns:a16="http://schemas.microsoft.com/office/drawing/2014/main" val="3768461736"/>
-                  </a:ext>
-                </a:extLst>
-              </a:tr>
-            </a:tbl>
-          </a:graphicData>
-        </a:graphic>
-      </p:graphicFrame>
-      <p:sp>
-        <p:nvSpPr>
-          <p:cNvPr id="8" name="TextBox 7">
-            <a:extLst>
-              <a:ext uri="{FF2B5EF4-FFF2-40B4-BE49-F238E27FC236}">
-                <a16:creationId xmlns:a16="http://schemas.microsoft.com/office/drawing/2014/main" id="{76359E9A-6045-40BB-A24B-48A58139B7CC}"/>
-              </a:ext>
-            </a:extLst>
-          </p:cNvPr>
-          <p:cNvSpPr txBox="1"/>
-          <p:nvPr/>
-        </p:nvSpPr>
-        <p:spPr>
-          <a:xfrm>
-            <a:off x="1645558" y="4364182"/>
-            <a:ext cx="5852884" cy="369332"/>
-          </a:xfrm>
-          <a:prstGeom prst="rect">
-            <a:avLst/>
-          </a:prstGeom>
-          <a:noFill/>
-        </p:spPr>
-        <p:txBody>
-          <a:bodyPr wrap="none" rtlCol="0">
-            <a:spAutoFit/>
-          </a:bodyPr>
-          <a:lstStyle/>
-          <a:p>
-            <a:r>
-              <a:rPr lang="en-US" b="1" dirty="0"/>
-              <a:t>PID Controller saves 0.91 seconds (on Dry surface) </a:t>
-            </a:r>
-          </a:p>
-        </p:txBody>
-      </p:sp>
-    </p:spTree>
-    <p:extLst>
-      <p:ext uri="{BB962C8B-B14F-4D97-AF65-F5344CB8AC3E}">
-        <p14:creationId xmlns:p14="http://schemas.microsoft.com/office/powerpoint/2010/main" val="970897651"/>
       </p:ext>
     </p:extLst>
   </p:cSld>
